--- a/threat-detection-wksp/presentations/threat-detection-wksp-module1-presentation.pptx
+++ b/threat-detection-wksp/presentations/threat-detection-wksp-module1-presentation.pptx
@@ -5,17 +5,15 @@
     <p:sldMasterId id="2147483674" r:id="rId4"/>
   </p:sldMasterIdLst>
   <p:notesMasterIdLst>
-    <p:notesMasterId r:id="rId13"/>
+    <p:notesMasterId r:id="rId11"/>
   </p:notesMasterIdLst>
   <p:sldIdLst>
     <p:sldId id="285" r:id="rId5"/>
-    <p:sldId id="578" r:id="rId6"/>
-    <p:sldId id="479" r:id="rId7"/>
-    <p:sldId id="371" r:id="rId8"/>
-    <p:sldId id="581" r:id="rId9"/>
-    <p:sldId id="484" r:id="rId10"/>
-    <p:sldId id="582" r:id="rId11"/>
-    <p:sldId id="583" r:id="rId12"/>
+    <p:sldId id="584" r:id="rId6"/>
+    <p:sldId id="578" r:id="rId7"/>
+    <p:sldId id="479" r:id="rId8"/>
+    <p:sldId id="484" r:id="rId9"/>
+    <p:sldId id="583" r:id="rId10"/>
   </p:sldIdLst>
   <p:sldSz cx="9144000" cy="5143500" type="screen16x9"/>
   <p:notesSz cx="6858000" cy="9144000"/>
@@ -120,12 +118,10 @@
         <p14:section name="Default Section" id="{47AA9416-504C-5C4C-B7E5-8D030EC8FFA0}">
           <p14:sldIdLst>
             <p14:sldId id="285"/>
+            <p14:sldId id="584"/>
             <p14:sldId id="578"/>
             <p14:sldId id="479"/>
-            <p14:sldId id="371"/>
-            <p14:sldId id="581"/>
             <p14:sldId id="484"/>
-            <p14:sldId id="582"/>
             <p14:sldId id="583"/>
           </p14:sldIdLst>
         </p14:section>
@@ -371,7 +367,7 @@
             <a:fld id="{0B25AC41-3BEC-9247-8322-91B80C013F2D}" type="datetimeFigureOut">
               <a:rPr lang="en-US" smtClean="0"/>
               <a:pPr/>
-              <a:t>6/13/18</a:t>
+              <a:t>7/10/18</a:t>
             </a:fld>
             <a:endParaRPr lang="en-US" dirty="0"/>
           </a:p>
@@ -687,12 +683,6 @@
           <a:bodyPr/>
           <a:lstStyle/>
           <a:p>
-            <a:r>
-              <a:rPr lang="en-US" dirty="0"/>
-              <a:t>Mention previous threat detect workshop – how this expands on that</a:t>
-            </a:r>
-          </a:p>
-          <a:p>
             <a:endParaRPr lang="en-US" dirty="0"/>
           </a:p>
         </p:txBody>
@@ -778,99 +768,6 @@
           <a:bodyPr/>
           <a:lstStyle/>
           <a:p>
-            <a:r>
-              <a:rPr lang="en-US" dirty="0"/>
-              <a:t>I recently went through the 2018 Verizon Data Breach Investigations Report – link below – I’ll be referencing this a few times</a:t>
-            </a:r>
-          </a:p>
-          <a:p>
-            <a:endParaRPr lang="en-US" sz="1200" b="0" i="0" kern="1200" dirty="0">
-              <a:solidFill>
-                <a:schemeClr val="tx1"/>
-              </a:solidFill>
-              <a:effectLst/>
-              <a:latin typeface="Amazon Ember Regular" charset="0"/>
-              <a:ea typeface="+mn-ea"/>
-              <a:cs typeface="+mn-cs"/>
-            </a:endParaRPr>
-          </a:p>
-          <a:p>
-            <a:pPr marL="0" marR="0" lvl="0" indent="0" algn="l" defTabSz="457200" rtl="0" eaLnBrk="1" fontAlgn="auto" latinLnBrk="0" hangingPunct="1">
-              <a:lnSpc>
-                <a:spcPct val="100000"/>
-              </a:lnSpc>
-              <a:spcBef>
-                <a:spcPts val="0"/>
-              </a:spcBef>
-              <a:spcAft>
-                <a:spcPts val="0"/>
-              </a:spcAft>
-              <a:buClrTx/>
-              <a:buSzTx/>
-              <a:buFontTx/>
-              <a:buNone/>
-              <a:tabLst/>
-              <a:defRPr/>
-            </a:pPr>
-            <a:r>
-              <a:rPr lang="en-US" dirty="0"/>
-              <a:t>Data </a:t>
-            </a:r>
-            <a:r>
-              <a:rPr lang="en-US" sz="1200" b="0" i="0" kern="1200" dirty="0">
-                <a:solidFill>
-                  <a:schemeClr val="tx1"/>
-                </a:solidFill>
-                <a:effectLst/>
-                <a:latin typeface="Amazon Ember Regular" charset="0"/>
-                <a:ea typeface="+mn-ea"/>
-                <a:cs typeface="+mn-cs"/>
-              </a:rPr>
-              <a:t>Breach: incident results in confirmed disclosure of data to an unauthorized party (not just potential exposure)</a:t>
-            </a:r>
-            <a:br>
-              <a:rPr lang="en-US" dirty="0"/>
-            </a:br>
-            <a:r>
-              <a:rPr lang="en-US" sz="1200" b="0" i="0" kern="1200" dirty="0">
-                <a:solidFill>
-                  <a:schemeClr val="tx1"/>
-                </a:solidFill>
-                <a:effectLst/>
-                <a:latin typeface="Amazon Ember Regular" charset="0"/>
-                <a:ea typeface="+mn-ea"/>
-                <a:cs typeface="+mn-cs"/>
-              </a:rPr>
-              <a:t>Incident: security event that compromises the confidentiality, integrity or availability of an information asset.</a:t>
-            </a:r>
-            <a:endParaRPr lang="en-US" dirty="0"/>
-          </a:p>
-          <a:p>
-            <a:endParaRPr lang="en-US" sz="1200" b="0" i="0" kern="1200" dirty="0">
-              <a:solidFill>
-                <a:schemeClr val="tx1"/>
-              </a:solidFill>
-              <a:effectLst/>
-              <a:latin typeface="Amazon Ember Regular" charset="0"/>
-              <a:ea typeface="+mn-ea"/>
-              <a:cs typeface="+mn-cs"/>
-            </a:endParaRPr>
-          </a:p>
-          <a:p>
-            <a:r>
-              <a:rPr lang="en-US" sz="1200" b="0" i="0" kern="1200" dirty="0">
-                <a:solidFill>
-                  <a:schemeClr val="tx1"/>
-                </a:solidFill>
-                <a:effectLst/>
-                <a:latin typeface="Amazon Ember Regular" charset="0"/>
-                <a:ea typeface="+mn-ea"/>
-                <a:cs typeface="+mn-cs"/>
-              </a:rPr>
-              <a:t>One of the leading data breach patterns is attacks on Web Applications –green line. Brown line is Point of Sale devices. Clearly web apps are an important target. That is one of the reasons we will use a web site in the scenario for this workshop (although the actual threat vector exploited could be done against any server)</a:t>
-            </a:r>
-          </a:p>
-          <a:p>
             <a:endParaRPr lang="en-US" dirty="0"/>
           </a:p>
         </p:txBody>
@@ -902,7 +799,7 @@
     </p:spTree>
     <p:extLst>
       <p:ext uri="{BB962C8B-B14F-4D97-AF65-F5344CB8AC3E}">
-        <p14:creationId xmlns:p14="http://schemas.microsoft.com/office/powerpoint/2010/main" val="622491231"/>
+        <p14:creationId xmlns:p14="http://schemas.microsoft.com/office/powerpoint/2010/main" val="3828248123"/>
       </p:ext>
     </p:extLst>
   </p:cSld>
@@ -958,46 +855,95 @@
           <a:p>
             <a:r>
               <a:rPr lang="en-US" dirty="0"/>
-              <a:t>So what are we doing in this lab ?</a:t>
-            </a:r>
-          </a:p>
-          <a:p>
+              <a:t>I recently went through the 2018 Verizon Data Breach Investigations Report – link below – I’ll be referencing this a few times</a:t>
+            </a:r>
+          </a:p>
+          <a:p>
+            <a:endParaRPr lang="en-US" sz="1200" b="0" i="0" kern="1200" dirty="0">
+              <a:solidFill>
+                <a:schemeClr val="tx1"/>
+              </a:solidFill>
+              <a:effectLst/>
+              <a:latin typeface="Amazon Ember Regular" charset="0"/>
+              <a:ea typeface="+mn-ea"/>
+              <a:cs typeface="+mn-cs"/>
+            </a:endParaRPr>
+          </a:p>
+          <a:p>
+            <a:pPr marL="0" marR="0" lvl="0" indent="0" algn="l" defTabSz="457200" rtl="0" eaLnBrk="1" fontAlgn="auto" latinLnBrk="0" hangingPunct="1">
+              <a:lnSpc>
+                <a:spcPct val="100000"/>
+              </a:lnSpc>
+              <a:spcBef>
+                <a:spcPts val="0"/>
+              </a:spcBef>
+              <a:spcAft>
+                <a:spcPts val="0"/>
+              </a:spcAft>
+              <a:buClrTx/>
+              <a:buSzTx/>
+              <a:buFontTx/>
+              <a:buNone/>
+              <a:tabLst/>
+              <a:defRPr/>
+            </a:pPr>
+            <a:r>
+              <a:rPr lang="en-US" dirty="0"/>
+              <a:t>Data </a:t>
+            </a:r>
+            <a:r>
+              <a:rPr lang="en-US" sz="1200" b="0" i="0" kern="1200" dirty="0">
+                <a:solidFill>
+                  <a:schemeClr val="tx1"/>
+                </a:solidFill>
+                <a:effectLst/>
+                <a:latin typeface="Amazon Ember Regular" charset="0"/>
+                <a:ea typeface="+mn-ea"/>
+                <a:cs typeface="+mn-cs"/>
+              </a:rPr>
+              <a:t>Breach: incident results in confirmed disclosure of data to an unauthorized party (not just potential exposure)</a:t>
+            </a:r>
+            <a:br>
+              <a:rPr lang="en-US" dirty="0"/>
+            </a:br>
+            <a:r>
+              <a:rPr lang="en-US" sz="1200" b="0" i="0" kern="1200" dirty="0">
+                <a:solidFill>
+                  <a:schemeClr val="tx1"/>
+                </a:solidFill>
+                <a:effectLst/>
+                <a:latin typeface="Amazon Ember Regular" charset="0"/>
+                <a:ea typeface="+mn-ea"/>
+                <a:cs typeface="+mn-cs"/>
+              </a:rPr>
+              <a:t>Incident: security event that compromises the confidentiality, integrity or availability of an information asset.</a:t>
+            </a:r>
             <a:endParaRPr lang="en-US" dirty="0"/>
           </a:p>
           <a:p>
-            <a:r>
-              <a:rPr lang="en-US" dirty="0"/>
-              <a:t>Think of a hypothetical situation where the engineering teams in your org  are trying to figure out how to move on-</a:t>
-            </a:r>
-            <a:r>
-              <a:rPr lang="en-US" dirty="0" err="1"/>
-              <a:t>prem</a:t>
-            </a:r>
-            <a:r>
-              <a:rPr lang="en-US" dirty="0"/>
-              <a:t> applications to the cloud from an existing data center . Your team wants to go ahead with a simple POC</a:t>
-            </a:r>
-          </a:p>
-          <a:p>
-            <a:endParaRPr lang="en-US" dirty="0"/>
-          </a:p>
-          <a:p>
-            <a:r>
-              <a:rPr lang="en-US" dirty="0"/>
-              <a:t>They starts with building a bare minimum architecture with a web server within a VPC that’s hosting a website.  Also the webserver uses data that’s stored on an S3 bucket.</a:t>
-            </a:r>
-          </a:p>
-          <a:p>
-            <a:endParaRPr lang="en-US" dirty="0"/>
-          </a:p>
-          <a:p>
-            <a:r>
-              <a:rPr lang="en-US" dirty="0"/>
-              <a:t>In this lab your job is to put on the hat of a security engineer and use AWS services to figure out the nature of the attack that is occurring and properly remediate the threats</a:t>
-            </a:r>
-          </a:p>
-          <a:p>
-            <a:endParaRPr lang="en-US" dirty="0"/>
+            <a:endParaRPr lang="en-US" sz="1200" b="0" i="0" kern="1200" dirty="0">
+              <a:solidFill>
+                <a:schemeClr val="tx1"/>
+              </a:solidFill>
+              <a:effectLst/>
+              <a:latin typeface="Amazon Ember Regular" charset="0"/>
+              <a:ea typeface="+mn-ea"/>
+              <a:cs typeface="+mn-cs"/>
+            </a:endParaRPr>
+          </a:p>
+          <a:p>
+            <a:r>
+              <a:rPr lang="en-US" sz="1200" b="0" i="0" kern="1200" dirty="0">
+                <a:solidFill>
+                  <a:schemeClr val="tx1"/>
+                </a:solidFill>
+                <a:effectLst/>
+                <a:latin typeface="Amazon Ember Regular" charset="0"/>
+                <a:ea typeface="+mn-ea"/>
+                <a:cs typeface="+mn-cs"/>
+              </a:rPr>
+              <a:t>One of the leading data breach patterns is attacks on Web Applications –green line. Brown line is Point of Sale devices. Clearly web apps are an important target. That is one of the reasons we will use a web site in the scenario for this workshop (although the actual threat vector exploited could be done against any server)</a:t>
+            </a:r>
           </a:p>
           <a:p>
             <a:endParaRPr lang="en-US" dirty="0"/>
@@ -1031,7 +977,7 @@
     </p:spTree>
     <p:extLst>
       <p:ext uri="{BB962C8B-B14F-4D97-AF65-F5344CB8AC3E}">
-        <p14:creationId xmlns:p14="http://schemas.microsoft.com/office/powerpoint/2010/main" val="1001023266"/>
+        <p14:creationId xmlns:p14="http://schemas.microsoft.com/office/powerpoint/2010/main" val="622491231"/>
       </p:ext>
     </p:extLst>
   </p:cSld>
@@ -1085,100 +1031,59 @@
           <a:bodyPr/>
           <a:lstStyle/>
           <a:p>
-            <a:r>
-              <a:rPr lang="en-US" sz="1200" b="0" i="0" u="none" strike="noStrike" kern="1200" dirty="0">
-                <a:solidFill>
-                  <a:schemeClr val="tx1"/>
-                </a:solidFill>
-                <a:effectLst/>
-                <a:latin typeface="Amazon Ember Regular" charset="0"/>
-                <a:ea typeface="+mn-ea"/>
-                <a:cs typeface="+mn-cs"/>
-                <a:hlinkClick r:id="rId3"/>
-              </a:rPr>
-              <a:t>Environment Build and Configuration</a:t>
-            </a:r>
-            <a:endParaRPr lang="en-US" sz="1200" b="0" i="0" kern="1200" dirty="0">
-              <a:solidFill>
-                <a:schemeClr val="tx1"/>
-              </a:solidFill>
-              <a:effectLst/>
-              <a:latin typeface="Amazon Ember Regular" charset="0"/>
-              <a:ea typeface="+mn-ea"/>
-              <a:cs typeface="+mn-cs"/>
-            </a:endParaRPr>
-          </a:p>
-          <a:p>
-            <a:r>
-              <a:rPr lang="en-US" sz="1200" b="0" i="0" u="none" strike="noStrike" kern="1200" dirty="0">
-                <a:solidFill>
-                  <a:schemeClr val="tx1"/>
-                </a:solidFill>
-                <a:effectLst/>
-                <a:latin typeface="Amazon Ember Regular" charset="0"/>
-                <a:ea typeface="+mn-ea"/>
-                <a:cs typeface="+mn-cs"/>
-                <a:hlinkClick r:id="rId4"/>
-              </a:rPr>
-              <a:t>Attack Simulation</a:t>
-            </a:r>
-            <a:endParaRPr lang="en-US" sz="1200" b="0" i="0" kern="1200" dirty="0">
-              <a:solidFill>
-                <a:schemeClr val="tx1"/>
-              </a:solidFill>
-              <a:effectLst/>
-              <a:latin typeface="Amazon Ember Regular" charset="0"/>
-              <a:ea typeface="+mn-ea"/>
-              <a:cs typeface="+mn-cs"/>
-            </a:endParaRPr>
-          </a:p>
-          <a:p>
-            <a:r>
-              <a:rPr lang="en-US" sz="1200" b="0" i="0" u="none" strike="noStrike" kern="1200" dirty="0">
-                <a:solidFill>
-                  <a:schemeClr val="tx1"/>
-                </a:solidFill>
-                <a:effectLst/>
-                <a:latin typeface="Amazon Ember Regular" charset="0"/>
-                <a:ea typeface="+mn-ea"/>
-                <a:cs typeface="+mn-cs"/>
-                <a:hlinkClick r:id="rId5"/>
-              </a:rPr>
-              <a:t>Detection and Remediation</a:t>
-            </a:r>
-            <a:endParaRPr lang="en-US" sz="1200" b="0" i="0" kern="1200" dirty="0">
-              <a:solidFill>
-                <a:schemeClr val="tx1"/>
-              </a:solidFill>
-              <a:effectLst/>
-              <a:latin typeface="Amazon Ember Regular" charset="0"/>
-              <a:ea typeface="+mn-ea"/>
-              <a:cs typeface="+mn-cs"/>
-            </a:endParaRPr>
-          </a:p>
-          <a:p>
-            <a:r>
-              <a:rPr lang="en-US" sz="1200" b="0" i="0" u="none" strike="noStrike" kern="1200" dirty="0">
-                <a:solidFill>
-                  <a:schemeClr val="tx1"/>
-                </a:solidFill>
-                <a:effectLst/>
-                <a:latin typeface="Amazon Ember Regular" charset="0"/>
-                <a:ea typeface="+mn-ea"/>
-                <a:cs typeface="+mn-cs"/>
-                <a:hlinkClick r:id="rId6"/>
-              </a:rPr>
-              <a:t>Review and Discussion</a:t>
-            </a:r>
-            <a:endParaRPr lang="en-US" sz="1200" b="0" i="0" kern="1200" dirty="0">
-              <a:solidFill>
-                <a:schemeClr val="tx1"/>
-              </a:solidFill>
-              <a:effectLst/>
-              <a:latin typeface="Amazon Ember Regular" charset="0"/>
-              <a:ea typeface="+mn-ea"/>
-              <a:cs typeface="+mn-cs"/>
-            </a:endParaRPr>
+            <a:pPr marL="171450" indent="-171450">
+              <a:buFont typeface="Arial" panose="020B0604020202020204" pitchFamily="34" charset="0"/>
+              <a:buChar char="•"/>
+            </a:pPr>
+            <a:r>
+              <a:rPr lang="en-US" dirty="0"/>
+              <a:t>So what are we doing in this Workshop?</a:t>
+            </a:r>
+          </a:p>
+          <a:p>
+            <a:pPr marL="171450" indent="-171450">
+              <a:buFont typeface="Arial" panose="020B0604020202020204" pitchFamily="34" charset="0"/>
+              <a:buChar char="•"/>
+            </a:pPr>
+            <a:r>
+              <a:rPr lang="en-US" dirty="0"/>
+              <a:t>Think of a hypothetical situation where the engineering teams in your org  are trying to figure out how to move on-</a:t>
+            </a:r>
+            <a:r>
+              <a:rPr lang="en-US" dirty="0" err="1"/>
+              <a:t>prem</a:t>
+            </a:r>
+            <a:r>
+              <a:rPr lang="en-US" dirty="0"/>
+              <a:t> applications to the cloud from an existing data center . Your team wants to go ahead with a simple POC</a:t>
+            </a:r>
+          </a:p>
+          <a:p>
+            <a:pPr marL="171450" indent="-171450">
+              <a:buFont typeface="Arial" panose="020B0604020202020204" pitchFamily="34" charset="0"/>
+              <a:buChar char="•"/>
+            </a:pPr>
+            <a:r>
+              <a:rPr lang="en-US" dirty="0"/>
+              <a:t>They starts with building a bare minimum architecture with a web server within a VPC that’s hosting a website.  Also the webserver uses data that’s stored on an S3 bucket.</a:t>
+            </a:r>
+          </a:p>
+          <a:p>
+            <a:pPr marL="171450" indent="-171450">
+              <a:buFont typeface="Arial" panose="020B0604020202020204" pitchFamily="34" charset="0"/>
+              <a:buChar char="•"/>
+            </a:pPr>
+            <a:r>
+              <a:rPr lang="en-US" dirty="0"/>
+              <a:t>In this lab your job is to put on the hat of a security engineer and use AWS services to figure out the nature of the attack that is occurring and properly remediate the threats</a:t>
+            </a:r>
+          </a:p>
+          <a:p>
+            <a:pPr marL="171450" indent="-171450">
+              <a:buFont typeface="Arial" panose="020B0604020202020204" pitchFamily="34" charset="0"/>
+              <a:buChar char="•"/>
+            </a:pPr>
+            <a:endParaRPr lang="en-US" dirty="0"/>
           </a:p>
           <a:p>
             <a:endParaRPr lang="en-US" dirty="0"/>
@@ -1212,7 +1117,7 @@
     </p:spTree>
     <p:extLst>
       <p:ext uri="{BB962C8B-B14F-4D97-AF65-F5344CB8AC3E}">
-        <p14:creationId xmlns:p14="http://schemas.microsoft.com/office/powerpoint/2010/main" val="1316293641"/>
+        <p14:creationId xmlns:p14="http://schemas.microsoft.com/office/powerpoint/2010/main" val="1001023266"/>
       </p:ext>
     </p:extLst>
   </p:cSld>
@@ -1267,47 +1172,57 @@
           <a:lstStyle/>
           <a:p>
             <a:r>
-              <a:rPr lang="en-US" dirty="0"/>
-              <a:t>If you think about threats in your AWS environments there are both external and internal threats and as these threats progress , it leads  to either AWS services that assume roles, federated users, IAM users or users in public internet performing malicious actions within your AWS account that could </a:t>
-            </a:r>
-            <a:r>
-              <a:rPr lang="en-US" dirty="0" err="1"/>
-              <a:t>inturn</a:t>
-            </a:r>
-            <a:r>
-              <a:rPr lang="en-US" dirty="0"/>
-              <a:t> lead to loss of availability for your application or data loss.</a:t>
-            </a:r>
-          </a:p>
-          <a:p>
-            <a:endParaRPr lang="en-US" dirty="0"/>
-          </a:p>
-          <a:p>
-            <a:r>
-              <a:rPr lang="en-US" dirty="0"/>
-              <a:t>What’s important is that as a security team you want to have good visibility into your AWS environment at all times and u want to use services that can help enhance that visibility. </a:t>
-            </a:r>
-          </a:p>
-          <a:p>
-            <a:endParaRPr lang="en-US" dirty="0"/>
-          </a:p>
-          <a:p>
-            <a:r>
-              <a:rPr lang="en-US" dirty="0"/>
-              <a:t>Amazon Guardduty, Amazon Macie, Config and inspector helps you achieve and enhance that visibility into your AWS account and make it easy for you as a customer to detect threats and achieve better security four your data. </a:t>
-            </a:r>
-          </a:p>
-          <a:p>
-            <a:endParaRPr lang="en-US" dirty="0"/>
-          </a:p>
-          <a:p>
-            <a:r>
-              <a:rPr lang="en-US" dirty="0"/>
-              <a:t>As you go through this lab you will get exposure to these services and hopefully you can take this learning back to your organization and create better security postures for your AWS account.</a:t>
-            </a:r>
-          </a:p>
-          <a:p>
-            <a:endParaRPr lang="en-US" dirty="0"/>
+              <a:rPr lang="en-US" sz="1200" dirty="0">
+                <a:latin typeface="Apple Braille" pitchFamily="2" charset="0"/>
+              </a:rPr>
+              <a:t>15 mins for this</a:t>
+            </a:r>
+          </a:p>
+          <a:p>
+            <a:r>
+              <a:rPr lang="en-US" sz="1200" dirty="0">
+                <a:latin typeface="Apple Braille" pitchFamily="2" charset="0"/>
+              </a:rPr>
+              <a:t>Use the Oregon region </a:t>
+            </a:r>
+          </a:p>
+          <a:p>
+            <a:r>
+              <a:rPr lang="en-US" sz="1200" dirty="0">
+                <a:latin typeface="Apple Braille" pitchFamily="2" charset="0"/>
+              </a:rPr>
+              <a:t>We’ll go fairly quick through this since there is a lot to cover - If not finished with a section before we move on, feel free to keep working and if you have any problems ask one of the facilitators to help – you will be able to work on this workshop outside of this event at any time</a:t>
+            </a:r>
+          </a:p>
+          <a:p>
+            <a:endParaRPr lang="en-US" sz="1200" dirty="0">
+              <a:latin typeface="Apple Braille" pitchFamily="2" charset="0"/>
+            </a:endParaRPr>
+          </a:p>
+          <a:p>
+            <a:r>
+              <a:rPr lang="en-US" sz="1200" dirty="0">
+                <a:latin typeface="Apple Braille" pitchFamily="2" charset="0"/>
+              </a:rPr>
+              <a:t>PLEASE FOLLOW DIRECTIONS – </a:t>
+            </a:r>
+            <a:r>
+              <a:rPr lang="en-US" sz="1200" dirty="0" err="1">
+                <a:latin typeface="Apple Braille" pitchFamily="2" charset="0"/>
+              </a:rPr>
+              <a:t>esp</a:t>
+            </a:r>
+            <a:r>
+              <a:rPr lang="en-US" sz="1200" dirty="0">
+                <a:latin typeface="Apple Braille" pitchFamily="2" charset="0"/>
+              </a:rPr>
+              <a:t> in the first part on the parameters screen</a:t>
+            </a:r>
+          </a:p>
+          <a:p>
+            <a:endParaRPr lang="en-US" sz="1200" dirty="0">
+              <a:latin typeface="Apple Braille" pitchFamily="2" charset="0"/>
+            </a:endParaRPr>
           </a:p>
         </p:txBody>
       </p:sp>
@@ -1338,7 +1253,7 @@
     </p:spTree>
     <p:extLst>
       <p:ext uri="{BB962C8B-B14F-4D97-AF65-F5344CB8AC3E}">
-        <p14:creationId xmlns:p14="http://schemas.microsoft.com/office/powerpoint/2010/main" val="3223697581"/>
+        <p14:creationId xmlns:p14="http://schemas.microsoft.com/office/powerpoint/2010/main" val="3901967606"/>
       </p:ext>
     </p:extLst>
   </p:cSld>
@@ -1396,35 +1311,6 @@
               <a:rPr lang="en-US" sz="1200" dirty="0">
                 <a:latin typeface="Apple Braille" pitchFamily="2" charset="0"/>
               </a:rPr>
-              <a:t>15 mins for this</a:t>
-            </a:r>
-          </a:p>
-          <a:p>
-            <a:r>
-              <a:rPr lang="en-US" sz="1200" dirty="0">
-                <a:latin typeface="Apple Braille" pitchFamily="2" charset="0"/>
-              </a:rPr>
-              <a:t>Use the Oregon region </a:t>
-            </a:r>
-          </a:p>
-          <a:p>
-            <a:r>
-              <a:rPr lang="en-US" sz="1200" dirty="0">
-                <a:latin typeface="Apple Braille" pitchFamily="2" charset="0"/>
-              </a:rPr>
-              <a:t>We’ll go fairly quick through this since there is a lot to cover - If not finished with a section before we move on, feel free to keep working and if you have any problems ask one of the facilitators to help – you will be able to work on this workshop outside of this event at any time</a:t>
-            </a:r>
-          </a:p>
-          <a:p>
-            <a:endParaRPr lang="en-US" sz="1200" dirty="0">
-              <a:latin typeface="Apple Braille" pitchFamily="2" charset="0"/>
-            </a:endParaRPr>
-          </a:p>
-          <a:p>
-            <a:r>
-              <a:rPr lang="en-US" sz="1200" dirty="0">
-                <a:latin typeface="Apple Braille" pitchFamily="2" charset="0"/>
-              </a:rPr>
               <a:t>PLEASE FOLLOW DIRECTIONS – </a:t>
             </a:r>
             <a:r>
@@ -1466,220 +1352,6 @@
               <a:rPr lang="en-US" smtClean="0"/>
               <a:pPr/>
               <a:t>6</a:t>
-            </a:fld>
-            <a:endParaRPr lang="en-US" dirty="0"/>
-          </a:p>
-        </p:txBody>
-      </p:sp>
-    </p:spTree>
-    <p:extLst>
-      <p:ext uri="{BB962C8B-B14F-4D97-AF65-F5344CB8AC3E}">
-        <p14:creationId xmlns:p14="http://schemas.microsoft.com/office/powerpoint/2010/main" val="3901967606"/>
-      </p:ext>
-    </p:extLst>
-  </p:cSld>
-  <p:clrMapOvr>
-    <a:masterClrMapping/>
-  </p:clrMapOvr>
-</p:notes>
-</file>
-
-<file path=ppt/notesSlides/notesSlide7.xml><?xml version="1.0" encoding="utf-8"?>
-<p:notes xmlns:a="http://schemas.openxmlformats.org/drawingml/2006/main" xmlns:r="http://schemas.openxmlformats.org/officeDocument/2006/relationships" xmlns:p="http://schemas.openxmlformats.org/presentationml/2006/main">
-  <p:cSld>
-    <p:spTree>
-      <p:nvGrpSpPr>
-        <p:cNvPr id="1" name=""/>
-        <p:cNvGrpSpPr/>
-        <p:nvPr/>
-      </p:nvGrpSpPr>
-      <p:grpSpPr>
-        <a:xfrm>
-          <a:off x="0" y="0"/>
-          <a:ext cx="0" cy="0"/>
-          <a:chOff x="0" y="0"/>
-          <a:chExt cx="0" cy="0"/>
-        </a:xfrm>
-      </p:grpSpPr>
-      <p:sp>
-        <p:nvSpPr>
-          <p:cNvPr id="2" name="Slide Image Placeholder 1"/>
-          <p:cNvSpPr>
-            <a:spLocks noGrp="1" noRot="1" noChangeAspect="1"/>
-          </p:cNvSpPr>
-          <p:nvPr>
-            <p:ph type="sldImg"/>
-          </p:nvPr>
-        </p:nvSpPr>
-        <p:spPr/>
-      </p:sp>
-      <p:sp>
-        <p:nvSpPr>
-          <p:cNvPr id="3" name="Notes Placeholder 2"/>
-          <p:cNvSpPr>
-            <a:spLocks noGrp="1"/>
-          </p:cNvSpPr>
-          <p:nvPr>
-            <p:ph type="body" idx="1"/>
-          </p:nvPr>
-        </p:nvSpPr>
-        <p:spPr/>
-        <p:txBody>
-          <a:bodyPr/>
-          <a:lstStyle/>
-          <a:p>
-            <a:r>
-              <a:rPr lang="en-US" sz="1200" dirty="0">
-                <a:latin typeface="Apple Braille" pitchFamily="2" charset="0"/>
-              </a:rPr>
-              <a:t>PLEASE FOLLOW DIRECTIONS – </a:t>
-            </a:r>
-            <a:r>
-              <a:rPr lang="en-US" sz="1200" dirty="0" err="1">
-                <a:latin typeface="Apple Braille" pitchFamily="2" charset="0"/>
-              </a:rPr>
-              <a:t>esp</a:t>
-            </a:r>
-            <a:r>
-              <a:rPr lang="en-US" sz="1200" dirty="0">
-                <a:latin typeface="Apple Braille" pitchFamily="2" charset="0"/>
-              </a:rPr>
-              <a:t> in the first part on the parameters screen</a:t>
-            </a:r>
-          </a:p>
-          <a:p>
-            <a:endParaRPr lang="en-US" sz="1200" dirty="0">
-              <a:latin typeface="Apple Braille" pitchFamily="2" charset="0"/>
-            </a:endParaRPr>
-          </a:p>
-        </p:txBody>
-      </p:sp>
-      <p:sp>
-        <p:nvSpPr>
-          <p:cNvPr id="4" name="Slide Number Placeholder 3"/>
-          <p:cNvSpPr>
-            <a:spLocks noGrp="1"/>
-          </p:cNvSpPr>
-          <p:nvPr>
-            <p:ph type="sldNum" sz="quarter" idx="10"/>
-          </p:nvPr>
-        </p:nvSpPr>
-        <p:spPr/>
-        <p:txBody>
-          <a:bodyPr/>
-          <a:lstStyle/>
-          <a:p>
-            <a:fld id="{69C3F2ED-74C5-7D4F-8560-0CC253E9A436}" type="slidenum">
-              <a:rPr lang="en-US" smtClean="0"/>
-              <a:pPr/>
-              <a:t>7</a:t>
-            </a:fld>
-            <a:endParaRPr lang="en-US" dirty="0"/>
-          </a:p>
-        </p:txBody>
-      </p:sp>
-    </p:spTree>
-    <p:extLst>
-      <p:ext uri="{BB962C8B-B14F-4D97-AF65-F5344CB8AC3E}">
-        <p14:creationId xmlns:p14="http://schemas.microsoft.com/office/powerpoint/2010/main" val="1383437219"/>
-      </p:ext>
-    </p:extLst>
-  </p:cSld>
-  <p:clrMapOvr>
-    <a:masterClrMapping/>
-  </p:clrMapOvr>
-</p:notes>
-</file>
-
-<file path=ppt/notesSlides/notesSlide8.xml><?xml version="1.0" encoding="utf-8"?>
-<p:notes xmlns:a="http://schemas.openxmlformats.org/drawingml/2006/main" xmlns:r="http://schemas.openxmlformats.org/officeDocument/2006/relationships" xmlns:p="http://schemas.openxmlformats.org/presentationml/2006/main">
-  <p:cSld>
-    <p:spTree>
-      <p:nvGrpSpPr>
-        <p:cNvPr id="1" name=""/>
-        <p:cNvGrpSpPr/>
-        <p:nvPr/>
-      </p:nvGrpSpPr>
-      <p:grpSpPr>
-        <a:xfrm>
-          <a:off x="0" y="0"/>
-          <a:ext cx="0" cy="0"/>
-          <a:chOff x="0" y="0"/>
-          <a:chExt cx="0" cy="0"/>
-        </a:xfrm>
-      </p:grpSpPr>
-      <p:sp>
-        <p:nvSpPr>
-          <p:cNvPr id="2" name="Slide Image Placeholder 1"/>
-          <p:cNvSpPr>
-            <a:spLocks noGrp="1" noRot="1" noChangeAspect="1"/>
-          </p:cNvSpPr>
-          <p:nvPr>
-            <p:ph type="sldImg"/>
-          </p:nvPr>
-        </p:nvSpPr>
-        <p:spPr/>
-      </p:sp>
-      <p:sp>
-        <p:nvSpPr>
-          <p:cNvPr id="3" name="Notes Placeholder 2"/>
-          <p:cNvSpPr>
-            <a:spLocks noGrp="1"/>
-          </p:cNvSpPr>
-          <p:nvPr>
-            <p:ph type="body" idx="1"/>
-          </p:nvPr>
-        </p:nvSpPr>
-        <p:spPr/>
-        <p:txBody>
-          <a:bodyPr/>
-          <a:lstStyle/>
-          <a:p>
-            <a:r>
-              <a:rPr lang="en-US" sz="1200" dirty="0">
-                <a:latin typeface="Apple Braille" pitchFamily="2" charset="0"/>
-              </a:rPr>
-              <a:t>PLEASE FOLLOW DIRECTIONS – </a:t>
-            </a:r>
-            <a:r>
-              <a:rPr lang="en-US" sz="1200" dirty="0" err="1">
-                <a:latin typeface="Apple Braille" pitchFamily="2" charset="0"/>
-              </a:rPr>
-              <a:t>esp</a:t>
-            </a:r>
-            <a:r>
-              <a:rPr lang="en-US" sz="1200" dirty="0">
-                <a:latin typeface="Apple Braille" pitchFamily="2" charset="0"/>
-              </a:rPr>
-              <a:t> in the first part on the parameters screen</a:t>
-            </a:r>
-          </a:p>
-          <a:p>
-            <a:endParaRPr lang="en-US" sz="1200" dirty="0">
-              <a:latin typeface="Apple Braille" pitchFamily="2" charset="0"/>
-            </a:endParaRPr>
-          </a:p>
-        </p:txBody>
-      </p:sp>
-      <p:sp>
-        <p:nvSpPr>
-          <p:cNvPr id="4" name="Slide Number Placeholder 3"/>
-          <p:cNvSpPr>
-            <a:spLocks noGrp="1"/>
-          </p:cNvSpPr>
-          <p:nvPr>
-            <p:ph type="sldNum" sz="quarter" idx="10"/>
-          </p:nvPr>
-        </p:nvSpPr>
-        <p:spPr/>
-        <p:txBody>
-          <a:bodyPr/>
-          <a:lstStyle/>
-          <a:p>
-            <a:fld id="{69C3F2ED-74C5-7D4F-8560-0CC253E9A436}" type="slidenum">
-              <a:rPr lang="en-US" smtClean="0"/>
-              <a:pPr/>
-              <a:t>8</a:t>
             </a:fld>
             <a:endParaRPr lang="en-US" dirty="0"/>
           </a:p>
@@ -5907,6 +5579,315 @@
           <a:lstStyle/>
           <a:p>
             <a:r>
+              <a:rPr lang="en-US" dirty="0"/>
+              <a:t>Workshop agenda</a:t>
+            </a:r>
+          </a:p>
+        </p:txBody>
+      </p:sp>
+      <p:sp>
+        <p:nvSpPr>
+          <p:cNvPr id="3" name="Rectangle 2">
+            <a:extLst>
+              <a:ext uri="{FF2B5EF4-FFF2-40B4-BE49-F238E27FC236}">
+                <a16:creationId xmlns:a16="http://schemas.microsoft.com/office/drawing/2014/main" id="{2CA723A6-34B2-C34A-8F53-131660EDCD8A}"/>
+              </a:ext>
+            </a:extLst>
+          </p:cNvPr>
+          <p:cNvSpPr/>
+          <p:nvPr/>
+        </p:nvSpPr>
+        <p:spPr>
+          <a:xfrm>
+            <a:off x="779994" y="660128"/>
+            <a:ext cx="7987990" cy="4524315"/>
+          </a:xfrm>
+          <a:prstGeom prst="rect">
+            <a:avLst/>
+          </a:prstGeom>
+        </p:spPr>
+        <p:txBody>
+          <a:bodyPr wrap="square">
+            <a:spAutoFit/>
+          </a:bodyPr>
+          <a:lstStyle/>
+          <a:p>
+            <a:pPr marL="342900" indent="-342900">
+              <a:buFont typeface="Arial" panose="020B0604020202020204" pitchFamily="34" charset="0"/>
+              <a:buChar char="•"/>
+            </a:pPr>
+            <a:r>
+              <a:rPr lang="en-US" sz="2400" dirty="0">
+                <a:latin typeface="Amazon Ember" panose="020B0603020204020204" pitchFamily="34" charset="0"/>
+                <a:ea typeface="Amazon Ember" panose="020B0603020204020204" pitchFamily="34" charset="0"/>
+                <a:cs typeface="Amazon Ember" panose="020B0603020204020204" pitchFamily="34" charset="0"/>
+              </a:rPr>
+              <a:t>Quick introduction to the workshop</a:t>
+            </a:r>
+          </a:p>
+          <a:p>
+            <a:pPr marL="342900" indent="-342900">
+              <a:buFont typeface="Arial" panose="020B0604020202020204" pitchFamily="34" charset="0"/>
+              <a:buChar char="•"/>
+            </a:pPr>
+            <a:r>
+              <a:rPr lang="en-US" sz="2400" b="1" dirty="0">
+                <a:latin typeface="Amazon Ember" panose="020B0603020204020204" pitchFamily="34" charset="0"/>
+                <a:ea typeface="Amazon Ember" panose="020B0603020204020204" pitchFamily="34" charset="0"/>
+                <a:cs typeface="Amazon Ember" panose="020B0603020204020204" pitchFamily="34" charset="0"/>
+              </a:rPr>
+              <a:t>Module 1: </a:t>
+            </a:r>
+            <a:r>
+              <a:rPr lang="en-US" sz="2400" dirty="0">
+                <a:latin typeface="Amazon Ember" panose="020B0603020204020204" pitchFamily="34" charset="0"/>
+                <a:ea typeface="Amazon Ember" panose="020B0603020204020204" pitchFamily="34" charset="0"/>
+                <a:cs typeface="Amazon Ember" panose="020B0603020204020204" pitchFamily="34" charset="0"/>
+              </a:rPr>
+              <a:t>Environment build and configuration </a:t>
+            </a:r>
+            <a:r>
+              <a:rPr lang="en-US" sz="1200" dirty="0">
+                <a:latin typeface="Amazon Ember" panose="020B0603020204020204" pitchFamily="34" charset="0"/>
+                <a:ea typeface="Amazon Ember" panose="020B0603020204020204" pitchFamily="34" charset="0"/>
+                <a:cs typeface="Amazon Ember" panose="020B0603020204020204" pitchFamily="34" charset="0"/>
+              </a:rPr>
+              <a:t>(20 min)</a:t>
+            </a:r>
+          </a:p>
+          <a:p>
+            <a:pPr marL="800100" lvl="1" indent="-342900">
+              <a:buFont typeface="Arial" panose="020B0604020202020204" pitchFamily="34" charset="0"/>
+              <a:buChar char="•"/>
+            </a:pPr>
+            <a:r>
+              <a:rPr lang="en-US" sz="2400" dirty="0">
+                <a:latin typeface="Amazon Ember" panose="020B0603020204020204" pitchFamily="34" charset="0"/>
+                <a:ea typeface="Amazon Ember" panose="020B0603020204020204" pitchFamily="34" charset="0"/>
+                <a:cs typeface="Amazon Ember" panose="020B0603020204020204" pitchFamily="34" charset="0"/>
+              </a:rPr>
+              <a:t>Run CloudFormation template and some setup</a:t>
+            </a:r>
+          </a:p>
+          <a:p>
+            <a:pPr marL="342900" indent="-342900">
+              <a:buFont typeface="Arial" panose="020B0604020202020204" pitchFamily="34" charset="0"/>
+              <a:buChar char="•"/>
+            </a:pPr>
+            <a:r>
+              <a:rPr lang="en-US" sz="2400" b="1" dirty="0">
+                <a:latin typeface="Amazon Ember" panose="020B0603020204020204" pitchFamily="34" charset="0"/>
+                <a:ea typeface="Amazon Ember" panose="020B0603020204020204" pitchFamily="34" charset="0"/>
+                <a:cs typeface="Amazon Ember" panose="020B0603020204020204" pitchFamily="34" charset="0"/>
+              </a:rPr>
+              <a:t>Module 2: </a:t>
+            </a:r>
+            <a:r>
+              <a:rPr lang="en-US" sz="2400" dirty="0">
+                <a:latin typeface="Amazon Ember" panose="020B0603020204020204" pitchFamily="34" charset="0"/>
+                <a:ea typeface="Amazon Ember" panose="020B0603020204020204" pitchFamily="34" charset="0"/>
+                <a:cs typeface="Amazon Ember" panose="020B0603020204020204" pitchFamily="34" charset="0"/>
+              </a:rPr>
+              <a:t>Attack simulation (and presentation) </a:t>
+            </a:r>
+            <a:r>
+              <a:rPr lang="en-US" sz="1200" dirty="0">
+                <a:latin typeface="Amazon Ember" panose="020B0603020204020204" pitchFamily="34" charset="0"/>
+                <a:ea typeface="Amazon Ember" panose="020B0603020204020204" pitchFamily="34" charset="0"/>
+                <a:cs typeface="Amazon Ember" panose="020B0603020204020204" pitchFamily="34" charset="0"/>
+              </a:rPr>
+              <a:t>(40 min)</a:t>
+            </a:r>
+          </a:p>
+          <a:p>
+            <a:pPr marL="800100" lvl="1" indent="-342900">
+              <a:buFont typeface="Arial" panose="020B0604020202020204" pitchFamily="34" charset="0"/>
+              <a:buChar char="•"/>
+            </a:pPr>
+            <a:r>
+              <a:rPr lang="en-US" sz="2400" dirty="0">
+                <a:latin typeface="Amazon Ember" panose="020B0603020204020204" pitchFamily="34" charset="0"/>
+                <a:ea typeface="Amazon Ember" panose="020B0603020204020204" pitchFamily="34" charset="0"/>
+                <a:cs typeface="Amazon Ember" panose="020B0603020204020204" pitchFamily="34" charset="0"/>
+              </a:rPr>
+              <a:t>Run CloudFormation template</a:t>
+            </a:r>
+          </a:p>
+          <a:p>
+            <a:pPr marL="800100" lvl="1" indent="-342900">
+              <a:buFont typeface="Arial" panose="020B0604020202020204" pitchFamily="34" charset="0"/>
+              <a:buChar char="•"/>
+            </a:pPr>
+            <a:r>
+              <a:rPr lang="en-US" sz="2400" dirty="0">
+                <a:latin typeface="Amazon Ember" panose="020B0603020204020204" pitchFamily="34" charset="0"/>
+                <a:ea typeface="Amazon Ember" panose="020B0603020204020204" pitchFamily="34" charset="0"/>
+                <a:cs typeface="Amazon Ember" panose="020B0603020204020204" pitchFamily="34" charset="0"/>
+              </a:rPr>
+              <a:t>Presentation and live role playing exercise</a:t>
+            </a:r>
+          </a:p>
+          <a:p>
+            <a:pPr marL="342900" indent="-342900">
+              <a:buFont typeface="Arial" panose="020B0604020202020204" pitchFamily="34" charset="0"/>
+              <a:buChar char="•"/>
+            </a:pPr>
+            <a:r>
+              <a:rPr lang="en-US" sz="2400" b="1" dirty="0">
+                <a:latin typeface="Amazon Ember" panose="020B0603020204020204" pitchFamily="34" charset="0"/>
+                <a:ea typeface="Amazon Ember" panose="020B0603020204020204" pitchFamily="34" charset="0"/>
+                <a:cs typeface="Amazon Ember" panose="020B0603020204020204" pitchFamily="34" charset="0"/>
+              </a:rPr>
+              <a:t>Module 3: </a:t>
+            </a:r>
+            <a:r>
+              <a:rPr lang="en-US" sz="2400" dirty="0">
+                <a:latin typeface="Amazon Ember" panose="020B0603020204020204" pitchFamily="34" charset="0"/>
+                <a:ea typeface="Amazon Ember" panose="020B0603020204020204" pitchFamily="34" charset="0"/>
+                <a:cs typeface="Amazon Ember" panose="020B0603020204020204" pitchFamily="34" charset="0"/>
+              </a:rPr>
+              <a:t>Detection and remediation </a:t>
+            </a:r>
+            <a:r>
+              <a:rPr lang="en-US" sz="1200" dirty="0">
+                <a:latin typeface="Amazon Ember" panose="020B0603020204020204" pitchFamily="34" charset="0"/>
+                <a:ea typeface="Amazon Ember" panose="020B0603020204020204" pitchFamily="34" charset="0"/>
+                <a:cs typeface="Amazon Ember" panose="020B0603020204020204" pitchFamily="34" charset="0"/>
+              </a:rPr>
+              <a:t>(45 min)</a:t>
+            </a:r>
+          </a:p>
+          <a:p>
+            <a:pPr marL="800100" lvl="1" indent="-342900">
+              <a:buFont typeface="Arial" panose="020B0604020202020204" pitchFamily="34" charset="0"/>
+              <a:buChar char="•"/>
+            </a:pPr>
+            <a:r>
+              <a:rPr lang="en-US" sz="2400" dirty="0">
+                <a:latin typeface="Amazon Ember" panose="020B0603020204020204" pitchFamily="34" charset="0"/>
+                <a:ea typeface="Amazon Ember" panose="020B0603020204020204" pitchFamily="34" charset="0"/>
+                <a:cs typeface="Amazon Ember" panose="020B0603020204020204" pitchFamily="34" charset="0"/>
+              </a:rPr>
+              <a:t>Investigate the attack</a:t>
+            </a:r>
+          </a:p>
+          <a:p>
+            <a:pPr marL="342900" indent="-342900">
+              <a:buFont typeface="Arial" panose="020B0604020202020204" pitchFamily="34" charset="0"/>
+              <a:buChar char="•"/>
+            </a:pPr>
+            <a:r>
+              <a:rPr lang="en-US" sz="2400" b="1" dirty="0">
+                <a:latin typeface="Amazon Ember" panose="020B0603020204020204" pitchFamily="34" charset="0"/>
+                <a:ea typeface="Amazon Ember" panose="020B0603020204020204" pitchFamily="34" charset="0"/>
+                <a:cs typeface="Amazon Ember" panose="020B0603020204020204" pitchFamily="34" charset="0"/>
+              </a:rPr>
+              <a:t>Module 4: </a:t>
+            </a:r>
+            <a:r>
+              <a:rPr lang="en-US" sz="2400" dirty="0">
+                <a:latin typeface="Amazon Ember" panose="020B0603020204020204" pitchFamily="34" charset="0"/>
+                <a:ea typeface="Amazon Ember" panose="020B0603020204020204" pitchFamily="34" charset="0"/>
+                <a:cs typeface="Amazon Ember" panose="020B0603020204020204" pitchFamily="34" charset="0"/>
+              </a:rPr>
+              <a:t>Review and discussion </a:t>
+            </a:r>
+            <a:r>
+              <a:rPr lang="en-US" sz="1200" dirty="0">
+                <a:latin typeface="Amazon Ember" panose="020B0603020204020204" pitchFamily="34" charset="0"/>
+                <a:ea typeface="Amazon Ember" panose="020B0603020204020204" pitchFamily="34" charset="0"/>
+                <a:cs typeface="Amazon Ember" panose="020B0603020204020204" pitchFamily="34" charset="0"/>
+              </a:rPr>
+              <a:t>(15 min)</a:t>
+            </a:r>
+          </a:p>
+          <a:p>
+            <a:pPr marL="800100" lvl="1" indent="-342900">
+              <a:buFont typeface="Arial" panose="020B0604020202020204" pitchFamily="34" charset="0"/>
+              <a:buChar char="•"/>
+            </a:pPr>
+            <a:r>
+              <a:rPr lang="en-US" sz="2400" dirty="0">
+                <a:latin typeface="Amazon Ember" panose="020B0603020204020204" pitchFamily="34" charset="0"/>
+                <a:ea typeface="Amazon Ember" panose="020B0603020204020204" pitchFamily="34" charset="0"/>
+                <a:cs typeface="Amazon Ember" panose="020B0603020204020204" pitchFamily="34" charset="0"/>
+              </a:rPr>
+              <a:t>Presentation / group Q&amp;A</a:t>
+            </a:r>
+          </a:p>
+          <a:p>
+            <a:pPr marL="800100" lvl="1" indent="-342900">
+              <a:buFont typeface="Arial" panose="020B0604020202020204" pitchFamily="34" charset="0"/>
+              <a:buChar char="•"/>
+            </a:pPr>
+            <a:r>
+              <a:rPr lang="en-US" sz="2400" dirty="0">
+                <a:latin typeface="Amazon Ember" panose="020B0603020204020204" pitchFamily="34" charset="0"/>
+                <a:ea typeface="Amazon Ember" panose="020B0603020204020204" pitchFamily="34" charset="0"/>
+                <a:cs typeface="Amazon Ember" panose="020B0603020204020204" pitchFamily="34" charset="0"/>
+              </a:rPr>
+              <a:t>Cleanup</a:t>
+            </a:r>
+          </a:p>
+          <a:p>
+            <a:pPr marL="342900" indent="-342900">
+              <a:buFont typeface="Arial" panose="020B0604020202020204" pitchFamily="34" charset="0"/>
+              <a:buChar char="•"/>
+            </a:pPr>
+            <a:endParaRPr lang="en-US" sz="2400" dirty="0">
+              <a:latin typeface="Amazon Ember" panose="020B0603020204020204" pitchFamily="34" charset="0"/>
+              <a:ea typeface="Amazon Ember" panose="020B0603020204020204" pitchFamily="34" charset="0"/>
+              <a:cs typeface="Amazon Ember" panose="020B0603020204020204" pitchFamily="34" charset="0"/>
+            </a:endParaRPr>
+          </a:p>
+        </p:txBody>
+      </p:sp>
+    </p:spTree>
+    <p:extLst>
+      <p:ext uri="{BB962C8B-B14F-4D97-AF65-F5344CB8AC3E}">
+        <p14:creationId xmlns:p14="http://schemas.microsoft.com/office/powerpoint/2010/main" val="265111561"/>
+      </p:ext>
+    </p:extLst>
+  </p:cSld>
+  <p:clrMapOvr>
+    <a:masterClrMapping/>
+  </p:clrMapOvr>
+</p:sld>
+</file>
+
+<file path=ppt/slides/slide3.xml><?xml version="1.0" encoding="utf-8"?>
+<p:sld xmlns:a="http://schemas.openxmlformats.org/drawingml/2006/main" xmlns:r="http://schemas.openxmlformats.org/officeDocument/2006/relationships" xmlns:p="http://schemas.openxmlformats.org/presentationml/2006/main">
+  <p:cSld>
+    <p:spTree>
+      <p:nvGrpSpPr>
+        <p:cNvPr id="1" name=""/>
+        <p:cNvGrpSpPr/>
+        <p:nvPr/>
+      </p:nvGrpSpPr>
+      <p:grpSpPr>
+        <a:xfrm>
+          <a:off x="0" y="0"/>
+          <a:ext cx="0" cy="0"/>
+          <a:chOff x="0" y="0"/>
+          <a:chExt cx="0" cy="0"/>
+        </a:xfrm>
+      </p:grpSpPr>
+      <p:sp>
+        <p:nvSpPr>
+          <p:cNvPr id="2" name="Title 1"/>
+          <p:cNvSpPr>
+            <a:spLocks noGrp="1"/>
+          </p:cNvSpPr>
+          <p:nvPr>
+            <p:ph type="title"/>
+          </p:nvPr>
+        </p:nvSpPr>
+        <p:spPr/>
+        <p:txBody>
+          <a:bodyPr/>
+          <a:lstStyle/>
+          <a:p>
+            <a:r>
               <a:rPr lang="en-US" dirty="0">
                 <a:latin typeface="Amazon Ember" panose="020B0603020204020204" pitchFamily="34" charset="0"/>
                 <a:ea typeface="Amazon Ember" panose="020B0603020204020204" pitchFamily="34" charset="0"/>
@@ -6093,7 +6074,7 @@
 </p:sld>
 </file>
 
-<file path=ppt/slides/slide3.xml><?xml version="1.0" encoding="utf-8"?>
+<file path=ppt/slides/slide4.xml><?xml version="1.0" encoding="utf-8"?>
 <p:sld xmlns:a="http://schemas.openxmlformats.org/drawingml/2006/main" xmlns:r="http://schemas.openxmlformats.org/officeDocument/2006/relationships" xmlns:p="http://schemas.openxmlformats.org/presentationml/2006/main">
   <p:cSld>
     <p:spTree>
@@ -6151,8 +6132,8 @@
         </p:nvSpPr>
         <p:spPr>
           <a:xfrm>
-            <a:off x="239970" y="1925982"/>
-            <a:ext cx="1383731" cy="1013771"/>
+            <a:off x="-17418" y="1925982"/>
+            <a:ext cx="2272937" cy="1013771"/>
           </a:xfrm>
         </p:spPr>
         <p:txBody>
@@ -6161,7 +6142,7 @@
           <a:p>
             <a:r>
               <a:rPr lang="en-US" dirty="0"/>
-              <a:t>Initial setup</a:t>
+              <a:t>What could possibly go wrong here?</a:t>
             </a:r>
           </a:p>
         </p:txBody>
@@ -6170,315 +6151,6 @@
     <p:extLst>
       <p:ext uri="{BB962C8B-B14F-4D97-AF65-F5344CB8AC3E}">
         <p14:creationId xmlns:p14="http://schemas.microsoft.com/office/powerpoint/2010/main" val="2020810514"/>
-      </p:ext>
-    </p:extLst>
-  </p:cSld>
-  <p:clrMapOvr>
-    <a:masterClrMapping/>
-  </p:clrMapOvr>
-</p:sld>
-</file>
-
-<file path=ppt/slides/slide4.xml><?xml version="1.0" encoding="utf-8"?>
-<p:sld xmlns:a="http://schemas.openxmlformats.org/drawingml/2006/main" xmlns:r="http://schemas.openxmlformats.org/officeDocument/2006/relationships" xmlns:p="http://schemas.openxmlformats.org/presentationml/2006/main">
-  <p:cSld>
-    <p:spTree>
-      <p:nvGrpSpPr>
-        <p:cNvPr id="1" name=""/>
-        <p:cNvGrpSpPr/>
-        <p:nvPr/>
-      </p:nvGrpSpPr>
-      <p:grpSpPr>
-        <a:xfrm>
-          <a:off x="0" y="0"/>
-          <a:ext cx="0" cy="0"/>
-          <a:chOff x="0" y="0"/>
-          <a:chExt cx="0" cy="0"/>
-        </a:xfrm>
-      </p:grpSpPr>
-      <p:sp>
-        <p:nvSpPr>
-          <p:cNvPr id="2" name="Title 1"/>
-          <p:cNvSpPr>
-            <a:spLocks noGrp="1"/>
-          </p:cNvSpPr>
-          <p:nvPr>
-            <p:ph type="title"/>
-          </p:nvPr>
-        </p:nvSpPr>
-        <p:spPr/>
-        <p:txBody>
-          <a:bodyPr/>
-          <a:lstStyle/>
-          <a:p>
-            <a:r>
-              <a:rPr lang="en-US" dirty="0"/>
-              <a:t>Workshop agenda</a:t>
-            </a:r>
-          </a:p>
-        </p:txBody>
-      </p:sp>
-      <p:sp>
-        <p:nvSpPr>
-          <p:cNvPr id="3" name="Rectangle 2">
-            <a:extLst>
-              <a:ext uri="{FF2B5EF4-FFF2-40B4-BE49-F238E27FC236}">
-                <a16:creationId xmlns:a16="http://schemas.microsoft.com/office/drawing/2014/main" id="{2CA723A6-34B2-C34A-8F53-131660EDCD8A}"/>
-              </a:ext>
-            </a:extLst>
-          </p:cNvPr>
-          <p:cNvSpPr/>
-          <p:nvPr/>
-        </p:nvSpPr>
-        <p:spPr>
-          <a:xfrm>
-            <a:off x="779994" y="660128"/>
-            <a:ext cx="7987990" cy="4524315"/>
-          </a:xfrm>
-          <a:prstGeom prst="rect">
-            <a:avLst/>
-          </a:prstGeom>
-        </p:spPr>
-        <p:txBody>
-          <a:bodyPr wrap="square">
-            <a:spAutoFit/>
-          </a:bodyPr>
-          <a:lstStyle/>
-          <a:p>
-            <a:pPr marL="342900" indent="-342900">
-              <a:buFont typeface="Arial" panose="020B0604020202020204" pitchFamily="34" charset="0"/>
-              <a:buChar char="•"/>
-            </a:pPr>
-            <a:r>
-              <a:rPr lang="en-US" sz="2400" dirty="0">
-                <a:latin typeface="Amazon Ember" panose="020B0603020204020204" pitchFamily="34" charset="0"/>
-                <a:ea typeface="Amazon Ember" panose="020B0603020204020204" pitchFamily="34" charset="0"/>
-                <a:cs typeface="Amazon Ember" panose="020B0603020204020204" pitchFamily="34" charset="0"/>
-              </a:rPr>
-              <a:t>Quick introduction to the workshop</a:t>
-            </a:r>
-          </a:p>
-          <a:p>
-            <a:pPr marL="342900" indent="-342900">
-              <a:buFont typeface="Arial" panose="020B0604020202020204" pitchFamily="34" charset="0"/>
-              <a:buChar char="•"/>
-            </a:pPr>
-            <a:r>
-              <a:rPr lang="en-US" sz="2400" b="1" dirty="0">
-                <a:latin typeface="Amazon Ember" panose="020B0603020204020204" pitchFamily="34" charset="0"/>
-                <a:ea typeface="Amazon Ember" panose="020B0603020204020204" pitchFamily="34" charset="0"/>
-                <a:cs typeface="Amazon Ember" panose="020B0603020204020204" pitchFamily="34" charset="0"/>
-              </a:rPr>
-              <a:t>Module 1: </a:t>
-            </a:r>
-            <a:r>
-              <a:rPr lang="en-US" sz="2400" dirty="0">
-                <a:latin typeface="Amazon Ember" panose="020B0603020204020204" pitchFamily="34" charset="0"/>
-                <a:ea typeface="Amazon Ember" panose="020B0603020204020204" pitchFamily="34" charset="0"/>
-                <a:cs typeface="Amazon Ember" panose="020B0603020204020204" pitchFamily="34" charset="0"/>
-              </a:rPr>
-              <a:t>Environment build and configuration </a:t>
-            </a:r>
-            <a:r>
-              <a:rPr lang="en-US" sz="1200" dirty="0">
-                <a:latin typeface="Amazon Ember" panose="020B0603020204020204" pitchFamily="34" charset="0"/>
-                <a:ea typeface="Amazon Ember" panose="020B0603020204020204" pitchFamily="34" charset="0"/>
-                <a:cs typeface="Amazon Ember" panose="020B0603020204020204" pitchFamily="34" charset="0"/>
-              </a:rPr>
-              <a:t>(20 min)</a:t>
-            </a:r>
-          </a:p>
-          <a:p>
-            <a:pPr marL="800100" lvl="1" indent="-342900">
-              <a:buFont typeface="Arial" panose="020B0604020202020204" pitchFamily="34" charset="0"/>
-              <a:buChar char="•"/>
-            </a:pPr>
-            <a:r>
-              <a:rPr lang="en-US" sz="2400" dirty="0">
-                <a:latin typeface="Amazon Ember" panose="020B0603020204020204" pitchFamily="34" charset="0"/>
-                <a:ea typeface="Amazon Ember" panose="020B0603020204020204" pitchFamily="34" charset="0"/>
-                <a:cs typeface="Amazon Ember" panose="020B0603020204020204" pitchFamily="34" charset="0"/>
-              </a:rPr>
-              <a:t>Run CloudFormation template and some setup</a:t>
-            </a:r>
-          </a:p>
-          <a:p>
-            <a:pPr marL="342900" indent="-342900">
-              <a:buFont typeface="Arial" panose="020B0604020202020204" pitchFamily="34" charset="0"/>
-              <a:buChar char="•"/>
-            </a:pPr>
-            <a:r>
-              <a:rPr lang="en-US" sz="2400" b="1" dirty="0">
-                <a:latin typeface="Amazon Ember" panose="020B0603020204020204" pitchFamily="34" charset="0"/>
-                <a:ea typeface="Amazon Ember" panose="020B0603020204020204" pitchFamily="34" charset="0"/>
-                <a:cs typeface="Amazon Ember" panose="020B0603020204020204" pitchFamily="34" charset="0"/>
-              </a:rPr>
-              <a:t>Module 2: </a:t>
-            </a:r>
-            <a:r>
-              <a:rPr lang="en-US" sz="2400" dirty="0">
-                <a:latin typeface="Amazon Ember" panose="020B0603020204020204" pitchFamily="34" charset="0"/>
-                <a:ea typeface="Amazon Ember" panose="020B0603020204020204" pitchFamily="34" charset="0"/>
-                <a:cs typeface="Amazon Ember" panose="020B0603020204020204" pitchFamily="34" charset="0"/>
-              </a:rPr>
-              <a:t>Attack simulation (and presentation) </a:t>
-            </a:r>
-            <a:r>
-              <a:rPr lang="en-US" sz="1200" dirty="0">
-                <a:latin typeface="Amazon Ember" panose="020B0603020204020204" pitchFamily="34" charset="0"/>
-                <a:ea typeface="Amazon Ember" panose="020B0603020204020204" pitchFamily="34" charset="0"/>
-                <a:cs typeface="Amazon Ember" panose="020B0603020204020204" pitchFamily="34" charset="0"/>
-              </a:rPr>
-              <a:t>(40 min)</a:t>
-            </a:r>
-          </a:p>
-          <a:p>
-            <a:pPr marL="800100" lvl="1" indent="-342900">
-              <a:buFont typeface="Arial" panose="020B0604020202020204" pitchFamily="34" charset="0"/>
-              <a:buChar char="•"/>
-            </a:pPr>
-            <a:r>
-              <a:rPr lang="en-US" sz="2400" dirty="0">
-                <a:latin typeface="Amazon Ember" panose="020B0603020204020204" pitchFamily="34" charset="0"/>
-                <a:ea typeface="Amazon Ember" panose="020B0603020204020204" pitchFamily="34" charset="0"/>
-                <a:cs typeface="Amazon Ember" panose="020B0603020204020204" pitchFamily="34" charset="0"/>
-              </a:rPr>
-              <a:t>Run CloudFormation template</a:t>
-            </a:r>
-          </a:p>
-          <a:p>
-            <a:pPr marL="800100" lvl="1" indent="-342900">
-              <a:buFont typeface="Arial" panose="020B0604020202020204" pitchFamily="34" charset="0"/>
-              <a:buChar char="•"/>
-            </a:pPr>
-            <a:r>
-              <a:rPr lang="en-US" sz="2400" dirty="0">
-                <a:latin typeface="Amazon Ember" panose="020B0603020204020204" pitchFamily="34" charset="0"/>
-                <a:ea typeface="Amazon Ember" panose="020B0603020204020204" pitchFamily="34" charset="0"/>
-                <a:cs typeface="Amazon Ember" panose="020B0603020204020204" pitchFamily="34" charset="0"/>
-              </a:rPr>
-              <a:t>Presentation and live role playing exercise</a:t>
-            </a:r>
-          </a:p>
-          <a:p>
-            <a:pPr marL="342900" indent="-342900">
-              <a:buFont typeface="Arial" panose="020B0604020202020204" pitchFamily="34" charset="0"/>
-              <a:buChar char="•"/>
-            </a:pPr>
-            <a:r>
-              <a:rPr lang="en-US" sz="2400" b="1" dirty="0">
-                <a:latin typeface="Amazon Ember" panose="020B0603020204020204" pitchFamily="34" charset="0"/>
-                <a:ea typeface="Amazon Ember" panose="020B0603020204020204" pitchFamily="34" charset="0"/>
-                <a:cs typeface="Amazon Ember" panose="020B0603020204020204" pitchFamily="34" charset="0"/>
-              </a:rPr>
-              <a:t>Module 3: </a:t>
-            </a:r>
-            <a:r>
-              <a:rPr lang="en-US" sz="2400" dirty="0">
-                <a:latin typeface="Amazon Ember" panose="020B0603020204020204" pitchFamily="34" charset="0"/>
-                <a:ea typeface="Amazon Ember" panose="020B0603020204020204" pitchFamily="34" charset="0"/>
-                <a:cs typeface="Amazon Ember" panose="020B0603020204020204" pitchFamily="34" charset="0"/>
-              </a:rPr>
-              <a:t>Detection and remediation </a:t>
-            </a:r>
-            <a:r>
-              <a:rPr lang="en-US" sz="1200" dirty="0">
-                <a:latin typeface="Amazon Ember" panose="020B0603020204020204" pitchFamily="34" charset="0"/>
-                <a:ea typeface="Amazon Ember" panose="020B0603020204020204" pitchFamily="34" charset="0"/>
-                <a:cs typeface="Amazon Ember" panose="020B0603020204020204" pitchFamily="34" charset="0"/>
-              </a:rPr>
-              <a:t>(45 min)</a:t>
-            </a:r>
-          </a:p>
-          <a:p>
-            <a:pPr marL="800100" lvl="1" indent="-342900">
-              <a:buFont typeface="Arial" panose="020B0604020202020204" pitchFamily="34" charset="0"/>
-              <a:buChar char="•"/>
-            </a:pPr>
-            <a:r>
-              <a:rPr lang="en-US" sz="2400" dirty="0">
-                <a:latin typeface="Amazon Ember" panose="020B0603020204020204" pitchFamily="34" charset="0"/>
-                <a:ea typeface="Amazon Ember" panose="020B0603020204020204" pitchFamily="34" charset="0"/>
-                <a:cs typeface="Amazon Ember" panose="020B0603020204020204" pitchFamily="34" charset="0"/>
-              </a:rPr>
-              <a:t>Investigate the attack</a:t>
-            </a:r>
-          </a:p>
-          <a:p>
-            <a:pPr marL="342900" indent="-342900">
-              <a:buFont typeface="Arial" panose="020B0604020202020204" pitchFamily="34" charset="0"/>
-              <a:buChar char="•"/>
-            </a:pPr>
-            <a:r>
-              <a:rPr lang="en-US" sz="2400" b="1" dirty="0">
-                <a:latin typeface="Amazon Ember" panose="020B0603020204020204" pitchFamily="34" charset="0"/>
-                <a:ea typeface="Amazon Ember" panose="020B0603020204020204" pitchFamily="34" charset="0"/>
-                <a:cs typeface="Amazon Ember" panose="020B0603020204020204" pitchFamily="34" charset="0"/>
-              </a:rPr>
-              <a:t>Module 4: </a:t>
-            </a:r>
-            <a:r>
-              <a:rPr lang="en-US" sz="2400" dirty="0">
-                <a:latin typeface="Amazon Ember" panose="020B0603020204020204" pitchFamily="34" charset="0"/>
-                <a:ea typeface="Amazon Ember" panose="020B0603020204020204" pitchFamily="34" charset="0"/>
-                <a:cs typeface="Amazon Ember" panose="020B0603020204020204" pitchFamily="34" charset="0"/>
-              </a:rPr>
-              <a:t>Review and discussion </a:t>
-            </a:r>
-            <a:r>
-              <a:rPr lang="en-US" sz="1200" dirty="0">
-                <a:latin typeface="Amazon Ember" panose="020B0603020204020204" pitchFamily="34" charset="0"/>
-                <a:ea typeface="Amazon Ember" panose="020B0603020204020204" pitchFamily="34" charset="0"/>
-                <a:cs typeface="Amazon Ember" panose="020B0603020204020204" pitchFamily="34" charset="0"/>
-              </a:rPr>
-              <a:t>(15 min)</a:t>
-            </a:r>
-          </a:p>
-          <a:p>
-            <a:pPr marL="800100" lvl="1" indent="-342900">
-              <a:buFont typeface="Arial" panose="020B0604020202020204" pitchFamily="34" charset="0"/>
-              <a:buChar char="•"/>
-            </a:pPr>
-            <a:r>
-              <a:rPr lang="en-US" sz="2400" dirty="0">
-                <a:latin typeface="Amazon Ember" panose="020B0603020204020204" pitchFamily="34" charset="0"/>
-                <a:ea typeface="Amazon Ember" panose="020B0603020204020204" pitchFamily="34" charset="0"/>
-                <a:cs typeface="Amazon Ember" panose="020B0603020204020204" pitchFamily="34" charset="0"/>
-              </a:rPr>
-              <a:t>Presentation / group Q&amp;A</a:t>
-            </a:r>
-          </a:p>
-          <a:p>
-            <a:pPr marL="800100" lvl="1" indent="-342900">
-              <a:buFont typeface="Arial" panose="020B0604020202020204" pitchFamily="34" charset="0"/>
-              <a:buChar char="•"/>
-            </a:pPr>
-            <a:r>
-              <a:rPr lang="en-US" sz="2400" dirty="0">
-                <a:latin typeface="Amazon Ember" panose="020B0603020204020204" pitchFamily="34" charset="0"/>
-                <a:ea typeface="Amazon Ember" panose="020B0603020204020204" pitchFamily="34" charset="0"/>
-                <a:cs typeface="Amazon Ember" panose="020B0603020204020204" pitchFamily="34" charset="0"/>
-              </a:rPr>
-              <a:t>Cleanup</a:t>
-            </a:r>
-          </a:p>
-          <a:p>
-            <a:pPr marL="342900" indent="-342900">
-              <a:buFont typeface="Arial" panose="020B0604020202020204" pitchFamily="34" charset="0"/>
-              <a:buChar char="•"/>
-            </a:pPr>
-            <a:endParaRPr lang="en-US" sz="2400" dirty="0">
-              <a:latin typeface="Amazon Ember" panose="020B0603020204020204" pitchFamily="34" charset="0"/>
-              <a:ea typeface="Amazon Ember" panose="020B0603020204020204" pitchFamily="34" charset="0"/>
-              <a:cs typeface="Amazon Ember" panose="020B0603020204020204" pitchFamily="34" charset="0"/>
-            </a:endParaRPr>
-          </a:p>
-        </p:txBody>
-      </p:sp>
-    </p:spTree>
-    <p:extLst>
-      <p:ext uri="{BB962C8B-B14F-4D97-AF65-F5344CB8AC3E}">
-        <p14:creationId xmlns:p14="http://schemas.microsoft.com/office/powerpoint/2010/main" val="760041365"/>
       </p:ext>
     </p:extLst>
   </p:cSld>
@@ -6515,36 +6187,281 @@
             <p:ph type="title"/>
           </p:nvPr>
         </p:nvSpPr>
-        <p:spPr>
-          <a:xfrm>
-            <a:off x="239970" y="1925982"/>
-            <a:ext cx="3238168" cy="545741"/>
-          </a:xfrm>
-        </p:spPr>
+        <p:spPr/>
         <p:txBody>
           <a:bodyPr/>
           <a:lstStyle/>
           <a:p>
             <a:r>
               <a:rPr lang="en-US" dirty="0"/>
-              <a:t>Threat detection and remediation</a:t>
-            </a:r>
-            <a:br>
-              <a:rPr lang="en-US" dirty="0"/>
-            </a:br>
-            <a:r>
-              <a:rPr lang="en-US" dirty="0"/>
-              <a:t>services</a:t>
+              <a:t>Start module 1</a:t>
+            </a:r>
+          </a:p>
+        </p:txBody>
+      </p:sp>
+      <p:sp>
+        <p:nvSpPr>
+          <p:cNvPr id="3" name="Rectangle 2">
+            <a:extLst>
+              <a:ext uri="{FF2B5EF4-FFF2-40B4-BE49-F238E27FC236}">
+                <a16:creationId xmlns:a16="http://schemas.microsoft.com/office/drawing/2014/main" id="{2CA723A6-34B2-C34A-8F53-131660EDCD8A}"/>
+              </a:ext>
+            </a:extLst>
+          </p:cNvPr>
+          <p:cNvSpPr/>
+          <p:nvPr/>
+        </p:nvSpPr>
+        <p:spPr>
+          <a:xfrm>
+            <a:off x="762903" y="1152173"/>
+            <a:ext cx="8041731" cy="2923877"/>
+          </a:xfrm>
+          <a:prstGeom prst="rect">
+            <a:avLst/>
+          </a:prstGeom>
+        </p:spPr>
+        <p:txBody>
+          <a:bodyPr wrap="square">
+            <a:spAutoFit/>
+          </a:bodyPr>
+          <a:lstStyle/>
+          <a:p>
+            <a:r>
+              <a:rPr lang="en-US" sz="2800" b="1" dirty="0">
+                <a:hlinkClick r:id="rId3"/>
+              </a:rPr>
+              <a:t>https://tinyurl.com/y84cc3pj</a:t>
+            </a:r>
+            <a:r>
+              <a:rPr lang="en-US" sz="2800" b="1" dirty="0"/>
+              <a:t> </a:t>
+            </a:r>
+          </a:p>
+          <a:p>
+            <a:r>
+              <a:rPr lang="en-US" sz="1200" b="1" dirty="0"/>
+              <a:t>(</a:t>
+            </a:r>
+            <a:r>
+              <a:rPr lang="en-US" sz="1200" dirty="0">
+                <a:latin typeface="Amazon Ember" panose="020B0603020204020204" pitchFamily="34" charset="0"/>
+                <a:ea typeface="Amazon Ember" panose="020B0603020204020204" pitchFamily="34" charset="0"/>
+                <a:cs typeface="Amazon Ember" panose="020B0603020204020204" pitchFamily="34" charset="0"/>
+              </a:rPr>
+              <a:t>https://github.com/aws-samples/aws-security-workshops/tree/master/threat-detection-</a:t>
+            </a:r>
+            <a:r>
+              <a:rPr lang="en-US" sz="1200" dirty="0" err="1">
+                <a:latin typeface="Amazon Ember" panose="020B0603020204020204" pitchFamily="34" charset="0"/>
+                <a:ea typeface="Amazon Ember" panose="020B0603020204020204" pitchFamily="34" charset="0"/>
+                <a:cs typeface="Amazon Ember" panose="020B0603020204020204" pitchFamily="34" charset="0"/>
+              </a:rPr>
+              <a:t>wksp</a:t>
+            </a:r>
+            <a:r>
+              <a:rPr lang="en-US" sz="1200" dirty="0">
+                <a:latin typeface="Amazon Ember" panose="020B0603020204020204" pitchFamily="34" charset="0"/>
+                <a:ea typeface="Amazon Ember" panose="020B0603020204020204" pitchFamily="34" charset="0"/>
+                <a:cs typeface="Amazon Ember" panose="020B0603020204020204" pitchFamily="34" charset="0"/>
+              </a:rPr>
+              <a:t>)</a:t>
+            </a:r>
+          </a:p>
+          <a:p>
+            <a:endParaRPr lang="en-US" sz="2400" b="1" dirty="0">
+              <a:latin typeface="Amazon Ember" panose="020B0603020204020204" pitchFamily="34" charset="0"/>
+              <a:ea typeface="Amazon Ember" panose="020B0603020204020204" pitchFamily="34" charset="0"/>
+              <a:cs typeface="Amazon Ember" panose="020B0603020204020204" pitchFamily="34" charset="0"/>
+            </a:endParaRPr>
+          </a:p>
+          <a:p>
+            <a:r>
+              <a:rPr lang="en-US" sz="2000" dirty="0">
+                <a:latin typeface="Amazon Ember" panose="020B0603020204020204" pitchFamily="34" charset="0"/>
+                <a:ea typeface="Amazon Ember" panose="020B0603020204020204" pitchFamily="34" charset="0"/>
+                <a:cs typeface="Amazon Ember" panose="020B0603020204020204" pitchFamily="34" charset="0"/>
+              </a:rPr>
+              <a:t>Directions:</a:t>
+            </a:r>
+            <a:endParaRPr lang="en-US" sz="2000" b="1" dirty="0">
+              <a:latin typeface="Amazon Ember" panose="020B0603020204020204" pitchFamily="34" charset="0"/>
+              <a:ea typeface="Amazon Ember" panose="020B0603020204020204" pitchFamily="34" charset="0"/>
+              <a:cs typeface="Amazon Ember" panose="020B0603020204020204" pitchFamily="34" charset="0"/>
+            </a:endParaRPr>
+          </a:p>
+          <a:p>
+            <a:pPr marL="342900" indent="-342900">
+              <a:buFont typeface="Arial" panose="020B0604020202020204" pitchFamily="34" charset="0"/>
+              <a:buChar char="•"/>
+            </a:pPr>
+            <a:r>
+              <a:rPr lang="en-US" sz="2000" dirty="0">
+                <a:latin typeface="Amazon Ember" panose="020B0603020204020204" pitchFamily="34" charset="0"/>
+                <a:ea typeface="Amazon Ember" panose="020B0603020204020204" pitchFamily="34" charset="0"/>
+                <a:cs typeface="Amazon Ember" panose="020B0603020204020204" pitchFamily="34" charset="0"/>
+              </a:rPr>
+              <a:t>Browse to </a:t>
+            </a:r>
+            <a:r>
+              <a:rPr lang="en-US" sz="2000" b="1" dirty="0">
+                <a:hlinkClick r:id="rId3"/>
+              </a:rPr>
+              <a:t>https://tinyurl.com/y84cc3pj</a:t>
+            </a:r>
+            <a:r>
+              <a:rPr lang="en-US" sz="2000" b="1" dirty="0"/>
+              <a:t> </a:t>
+            </a:r>
+            <a:endParaRPr lang="en-US" sz="2000" dirty="0">
+              <a:latin typeface="Amazon Ember" panose="020B0603020204020204" pitchFamily="34" charset="0"/>
+              <a:ea typeface="Amazon Ember" panose="020B0603020204020204" pitchFamily="34" charset="0"/>
+              <a:cs typeface="Amazon Ember" panose="020B0603020204020204" pitchFamily="34" charset="0"/>
+            </a:endParaRPr>
+          </a:p>
+          <a:p>
+            <a:pPr marL="342900" indent="-342900">
+              <a:buFont typeface="Arial" panose="020B0604020202020204" pitchFamily="34" charset="0"/>
+              <a:buChar char="•"/>
+            </a:pPr>
+            <a:r>
+              <a:rPr lang="en-US" sz="2000" dirty="0">
+                <a:latin typeface="Amazon Ember" panose="020B0603020204020204" pitchFamily="34" charset="0"/>
+                <a:ea typeface="Amazon Ember" panose="020B0603020204020204" pitchFamily="34" charset="0"/>
+                <a:cs typeface="Amazon Ember" panose="020B0603020204020204" pitchFamily="34" charset="0"/>
+              </a:rPr>
+              <a:t>Read through the workshop scenario</a:t>
+            </a:r>
+          </a:p>
+          <a:p>
+            <a:pPr marL="342900" indent="-342900">
+              <a:buFont typeface="Arial" panose="020B0604020202020204" pitchFamily="34" charset="0"/>
+              <a:buChar char="•"/>
+            </a:pPr>
+            <a:r>
+              <a:rPr lang="en-US" sz="2000" dirty="0">
+                <a:latin typeface="Amazon Ember" panose="020B0603020204020204" pitchFamily="34" charset="0"/>
+                <a:ea typeface="Amazon Ember" panose="020B0603020204020204" pitchFamily="34" charset="0"/>
+                <a:cs typeface="Amazon Ember" panose="020B0603020204020204" pitchFamily="34" charset="0"/>
+              </a:rPr>
+              <a:t>Click on</a:t>
+            </a:r>
+            <a:r>
+              <a:rPr lang="en-US" sz="2000" b="1" dirty="0">
+                <a:latin typeface="Amazon Ember" panose="020B0603020204020204" pitchFamily="34" charset="0"/>
+                <a:ea typeface="Amazon Ember" panose="020B0603020204020204" pitchFamily="34" charset="0"/>
+                <a:cs typeface="Amazon Ember" panose="020B0603020204020204" pitchFamily="34" charset="0"/>
+              </a:rPr>
+              <a:t> Environment Build and Configuration </a:t>
+            </a:r>
+            <a:r>
+              <a:rPr lang="en-US" sz="2000" dirty="0">
+                <a:latin typeface="Amazon Ember" panose="020B0603020204020204" pitchFamily="34" charset="0"/>
+                <a:ea typeface="Amazon Ember" panose="020B0603020204020204" pitchFamily="34" charset="0"/>
+                <a:cs typeface="Amazon Ember" panose="020B0603020204020204" pitchFamily="34" charset="0"/>
+              </a:rPr>
+              <a:t>at the end</a:t>
+            </a:r>
+          </a:p>
+          <a:p>
+            <a:pPr marL="342900" indent="-342900">
+              <a:buFont typeface="Arial" panose="020B0604020202020204" pitchFamily="34" charset="0"/>
+              <a:buChar char="•"/>
+            </a:pPr>
+            <a:r>
+              <a:rPr lang="en-US" sz="2000" dirty="0">
+                <a:latin typeface="Amazon Ember" panose="020B0603020204020204" pitchFamily="34" charset="0"/>
+                <a:ea typeface="Amazon Ember" panose="020B0603020204020204" pitchFamily="34" charset="0"/>
+                <a:cs typeface="Amazon Ember" panose="020B0603020204020204" pitchFamily="34" charset="0"/>
+              </a:rPr>
+              <a:t>Complete module (~15 min) then stop </a:t>
+            </a:r>
+          </a:p>
+          <a:p>
+            <a:pPr marL="342900" indent="-342900">
+              <a:buFont typeface="Arial" panose="020B0604020202020204" pitchFamily="34" charset="0"/>
+              <a:buChar char="•"/>
+            </a:pPr>
+            <a:r>
+              <a:rPr lang="en-US" sz="2000" dirty="0">
+                <a:latin typeface="Amazon Ember" panose="020B0603020204020204" pitchFamily="34" charset="0"/>
+                <a:ea typeface="Amazon Ember" panose="020B0603020204020204" pitchFamily="34" charset="0"/>
+                <a:cs typeface="Amazon Ember" panose="020B0603020204020204" pitchFamily="34" charset="0"/>
+              </a:rPr>
+              <a:t>We will later start module 2 and do a presentation</a:t>
+            </a:r>
+          </a:p>
+        </p:txBody>
+      </p:sp>
+      <p:sp>
+        <p:nvSpPr>
+          <p:cNvPr id="5" name="TextBox 4">
+            <a:extLst>
+              <a:ext uri="{FF2B5EF4-FFF2-40B4-BE49-F238E27FC236}">
+                <a16:creationId xmlns:a16="http://schemas.microsoft.com/office/drawing/2014/main" id="{FFD2F3AD-F02A-5443-BCC6-A6074DDF66ED}"/>
+              </a:ext>
+            </a:extLst>
+          </p:cNvPr>
+          <p:cNvSpPr txBox="1"/>
+          <p:nvPr/>
+        </p:nvSpPr>
+        <p:spPr>
+          <a:xfrm>
+            <a:off x="7409467" y="267658"/>
+            <a:ext cx="1282045" cy="646331"/>
+          </a:xfrm>
+          <a:prstGeom prst="rect">
+            <a:avLst/>
+          </a:prstGeom>
+        </p:spPr>
+        <p:style>
+          <a:lnRef idx="1">
+            <a:schemeClr val="accent1"/>
+          </a:lnRef>
+          <a:fillRef idx="2">
+            <a:schemeClr val="accent1"/>
+          </a:fillRef>
+          <a:effectRef idx="1">
+            <a:schemeClr val="accent1"/>
+          </a:effectRef>
+          <a:fontRef idx="minor">
+            <a:schemeClr val="dk1"/>
+          </a:fontRef>
+        </p:style>
+        <p:txBody>
+          <a:bodyPr wrap="square" rtlCol="0">
+            <a:spAutoFit/>
+          </a:bodyPr>
+          <a:lstStyle/>
+          <a:p>
+            <a:pPr algn="ctr"/>
+            <a:r>
+              <a:rPr lang="en-US" dirty="0">
+                <a:latin typeface="Amazon Ember" panose="020B0603020204020204" pitchFamily="34" charset="0"/>
+                <a:ea typeface="Amazon Ember" panose="020B0603020204020204" pitchFamily="34" charset="0"/>
+                <a:cs typeface="Amazon Ember" panose="020B0603020204020204" pitchFamily="34" charset="0"/>
+              </a:rPr>
+              <a:t>use</a:t>
+            </a:r>
+          </a:p>
+          <a:p>
+            <a:pPr algn="ctr"/>
+            <a:r>
+              <a:rPr lang="en-US" dirty="0">
+                <a:latin typeface="Amazon Ember" panose="020B0603020204020204" pitchFamily="34" charset="0"/>
+                <a:ea typeface="Amazon Ember" panose="020B0603020204020204" pitchFamily="34" charset="0"/>
+                <a:cs typeface="Amazon Ember" panose="020B0603020204020204" pitchFamily="34" charset="0"/>
+              </a:rPr>
+              <a:t>us-west-2</a:t>
             </a:r>
           </a:p>
         </p:txBody>
       </p:sp>
       <p:pic>
         <p:nvPicPr>
-          <p:cNvPr id="6" name="Picture 5">
+          <p:cNvPr id="4" name="Picture 3">
             <a:extLst>
               <a:ext uri="{FF2B5EF4-FFF2-40B4-BE49-F238E27FC236}">
-                <a16:creationId xmlns:a16="http://schemas.microsoft.com/office/drawing/2014/main" id="{2307527E-A967-7749-89F4-212C3C63ED19}"/>
+                <a16:creationId xmlns:a16="http://schemas.microsoft.com/office/drawing/2014/main" id="{FD543F0C-E4C9-4545-9072-2D81B0FFF988}"/>
               </a:ext>
             </a:extLst>
           </p:cNvPr>
@@ -6554,15 +6471,15 @@
           <p:nvPr/>
         </p:nvPicPr>
         <p:blipFill>
-          <a:blip r:embed="rId3"/>
+          <a:blip r:embed="rId4"/>
           <a:stretch>
             <a:fillRect/>
           </a:stretch>
         </p:blipFill>
         <p:spPr>
           <a:xfrm>
-            <a:off x="3568401" y="0"/>
-            <a:ext cx="4280378" cy="5143500"/>
+            <a:off x="0" y="0"/>
+            <a:ext cx="9144000" cy="5143500"/>
           </a:xfrm>
           <a:prstGeom prst="rect">
             <a:avLst/>
@@ -6572,7 +6489,7 @@
     </p:spTree>
     <p:extLst>
       <p:ext uri="{BB962C8B-B14F-4D97-AF65-F5344CB8AC3E}">
-        <p14:creationId xmlns:p14="http://schemas.microsoft.com/office/powerpoint/2010/main" val="3715809854"/>
+        <p14:creationId xmlns:p14="http://schemas.microsoft.com/office/powerpoint/2010/main" val="1519114575"/>
       </p:ext>
     </p:extLst>
   </p:cSld>
@@ -6616,346 +6533,7 @@
           <a:p>
             <a:r>
               <a:rPr lang="en-US" dirty="0"/>
-              <a:t>Start module 1</a:t>
-            </a:r>
-          </a:p>
-        </p:txBody>
-      </p:sp>
-      <p:sp>
-        <p:nvSpPr>
-          <p:cNvPr id="3" name="Rectangle 2">
-            <a:extLst>
-              <a:ext uri="{FF2B5EF4-FFF2-40B4-BE49-F238E27FC236}">
-                <a16:creationId xmlns:a16="http://schemas.microsoft.com/office/drawing/2014/main" id="{2CA723A6-34B2-C34A-8F53-131660EDCD8A}"/>
-              </a:ext>
-            </a:extLst>
-          </p:cNvPr>
-          <p:cNvSpPr/>
-          <p:nvPr/>
-        </p:nvSpPr>
-        <p:spPr>
-          <a:xfrm>
-            <a:off x="762903" y="1152173"/>
-            <a:ext cx="8041731" cy="2923877"/>
-          </a:xfrm>
-          <a:prstGeom prst="rect">
-            <a:avLst/>
-          </a:prstGeom>
-        </p:spPr>
-        <p:txBody>
-          <a:bodyPr wrap="square">
-            <a:spAutoFit/>
-          </a:bodyPr>
-          <a:lstStyle/>
-          <a:p>
-            <a:r>
-              <a:rPr lang="en-US" sz="2800" b="1" dirty="0">
-                <a:hlinkClick r:id="rId3"/>
-              </a:rPr>
-              <a:t>https://tinyurl.com/y84cc3pj</a:t>
-            </a:r>
-            <a:r>
-              <a:rPr lang="en-US" sz="2800" b="1" dirty="0"/>
-              <a:t> </a:t>
-            </a:r>
-          </a:p>
-          <a:p>
-            <a:r>
-              <a:rPr lang="en-US" sz="1200" b="1" dirty="0"/>
-              <a:t>(</a:t>
-            </a:r>
-            <a:r>
-              <a:rPr lang="en-US" sz="1200" dirty="0">
-                <a:latin typeface="Amazon Ember" panose="020B0603020204020204" pitchFamily="34" charset="0"/>
-                <a:ea typeface="Amazon Ember" panose="020B0603020204020204" pitchFamily="34" charset="0"/>
-                <a:cs typeface="Amazon Ember" panose="020B0603020204020204" pitchFamily="34" charset="0"/>
-              </a:rPr>
-              <a:t>https://github.com/aws-samples/aws-security-workshops/tree/master/threat-detection-</a:t>
-            </a:r>
-            <a:r>
-              <a:rPr lang="en-US" sz="1200" dirty="0" err="1">
-                <a:latin typeface="Amazon Ember" panose="020B0603020204020204" pitchFamily="34" charset="0"/>
-                <a:ea typeface="Amazon Ember" panose="020B0603020204020204" pitchFamily="34" charset="0"/>
-                <a:cs typeface="Amazon Ember" panose="020B0603020204020204" pitchFamily="34" charset="0"/>
-              </a:rPr>
-              <a:t>wksp</a:t>
-            </a:r>
-            <a:r>
-              <a:rPr lang="en-US" sz="1200" dirty="0">
-                <a:latin typeface="Amazon Ember" panose="020B0603020204020204" pitchFamily="34" charset="0"/>
-                <a:ea typeface="Amazon Ember" panose="020B0603020204020204" pitchFamily="34" charset="0"/>
-                <a:cs typeface="Amazon Ember" panose="020B0603020204020204" pitchFamily="34" charset="0"/>
-              </a:rPr>
-              <a:t>)</a:t>
-            </a:r>
-          </a:p>
-          <a:p>
-            <a:endParaRPr lang="en-US" sz="2400" b="1" dirty="0">
-              <a:latin typeface="Amazon Ember" panose="020B0603020204020204" pitchFamily="34" charset="0"/>
-              <a:ea typeface="Amazon Ember" panose="020B0603020204020204" pitchFamily="34" charset="0"/>
-              <a:cs typeface="Amazon Ember" panose="020B0603020204020204" pitchFamily="34" charset="0"/>
-            </a:endParaRPr>
-          </a:p>
-          <a:p>
-            <a:r>
-              <a:rPr lang="en-US" sz="2000" dirty="0">
-                <a:latin typeface="Amazon Ember" panose="020B0603020204020204" pitchFamily="34" charset="0"/>
-                <a:ea typeface="Amazon Ember" panose="020B0603020204020204" pitchFamily="34" charset="0"/>
-                <a:cs typeface="Amazon Ember" panose="020B0603020204020204" pitchFamily="34" charset="0"/>
-              </a:rPr>
-              <a:t>Directions:</a:t>
-            </a:r>
-            <a:endParaRPr lang="en-US" sz="2000" b="1" dirty="0">
-              <a:latin typeface="Amazon Ember" panose="020B0603020204020204" pitchFamily="34" charset="0"/>
-              <a:ea typeface="Amazon Ember" panose="020B0603020204020204" pitchFamily="34" charset="0"/>
-              <a:cs typeface="Amazon Ember" panose="020B0603020204020204" pitchFamily="34" charset="0"/>
-            </a:endParaRPr>
-          </a:p>
-          <a:p>
-            <a:pPr marL="342900" indent="-342900">
-              <a:buFont typeface="Arial" panose="020B0604020202020204" pitchFamily="34" charset="0"/>
-              <a:buChar char="•"/>
-            </a:pPr>
-            <a:r>
-              <a:rPr lang="en-US" sz="2000" dirty="0">
-                <a:latin typeface="Amazon Ember" panose="020B0603020204020204" pitchFamily="34" charset="0"/>
-                <a:ea typeface="Amazon Ember" panose="020B0603020204020204" pitchFamily="34" charset="0"/>
-                <a:cs typeface="Amazon Ember" panose="020B0603020204020204" pitchFamily="34" charset="0"/>
-              </a:rPr>
-              <a:t>Browse to </a:t>
-            </a:r>
-            <a:r>
-              <a:rPr lang="en-US" sz="2000" b="1" dirty="0">
-                <a:hlinkClick r:id="rId3"/>
-              </a:rPr>
-              <a:t>https://tinyurl.com/y84cc3pj</a:t>
-            </a:r>
-            <a:r>
-              <a:rPr lang="en-US" sz="2000" b="1" dirty="0"/>
-              <a:t> </a:t>
-            </a:r>
-            <a:endParaRPr lang="en-US" sz="2000" dirty="0">
-              <a:latin typeface="Amazon Ember" panose="020B0603020204020204" pitchFamily="34" charset="0"/>
-              <a:ea typeface="Amazon Ember" panose="020B0603020204020204" pitchFamily="34" charset="0"/>
-              <a:cs typeface="Amazon Ember" panose="020B0603020204020204" pitchFamily="34" charset="0"/>
-            </a:endParaRPr>
-          </a:p>
-          <a:p>
-            <a:pPr marL="342900" indent="-342900">
-              <a:buFont typeface="Arial" panose="020B0604020202020204" pitchFamily="34" charset="0"/>
-              <a:buChar char="•"/>
-            </a:pPr>
-            <a:r>
-              <a:rPr lang="en-US" sz="2000" dirty="0">
-                <a:latin typeface="Amazon Ember" panose="020B0603020204020204" pitchFamily="34" charset="0"/>
-                <a:ea typeface="Amazon Ember" panose="020B0603020204020204" pitchFamily="34" charset="0"/>
-                <a:cs typeface="Amazon Ember" panose="020B0603020204020204" pitchFamily="34" charset="0"/>
-              </a:rPr>
-              <a:t>Read through the workshop scenario</a:t>
-            </a:r>
-          </a:p>
-          <a:p>
-            <a:pPr marL="342900" indent="-342900">
-              <a:buFont typeface="Arial" panose="020B0604020202020204" pitchFamily="34" charset="0"/>
-              <a:buChar char="•"/>
-            </a:pPr>
-            <a:r>
-              <a:rPr lang="en-US" sz="2000" dirty="0">
-                <a:latin typeface="Amazon Ember" panose="020B0603020204020204" pitchFamily="34" charset="0"/>
-                <a:ea typeface="Amazon Ember" panose="020B0603020204020204" pitchFamily="34" charset="0"/>
-                <a:cs typeface="Amazon Ember" panose="020B0603020204020204" pitchFamily="34" charset="0"/>
-              </a:rPr>
-              <a:t>Click on</a:t>
-            </a:r>
-            <a:r>
-              <a:rPr lang="en-US" sz="2000" b="1" dirty="0">
-                <a:latin typeface="Amazon Ember" panose="020B0603020204020204" pitchFamily="34" charset="0"/>
-                <a:ea typeface="Amazon Ember" panose="020B0603020204020204" pitchFamily="34" charset="0"/>
-                <a:cs typeface="Amazon Ember" panose="020B0603020204020204" pitchFamily="34" charset="0"/>
-              </a:rPr>
-              <a:t> Environment Build and Configuration </a:t>
-            </a:r>
-            <a:r>
-              <a:rPr lang="en-US" sz="2000" dirty="0">
-                <a:latin typeface="Amazon Ember" panose="020B0603020204020204" pitchFamily="34" charset="0"/>
-                <a:ea typeface="Amazon Ember" panose="020B0603020204020204" pitchFamily="34" charset="0"/>
-                <a:cs typeface="Amazon Ember" panose="020B0603020204020204" pitchFamily="34" charset="0"/>
-              </a:rPr>
-              <a:t>at the end</a:t>
-            </a:r>
-          </a:p>
-          <a:p>
-            <a:pPr marL="342900" indent="-342900">
-              <a:buFont typeface="Arial" panose="020B0604020202020204" pitchFamily="34" charset="0"/>
-              <a:buChar char="•"/>
-            </a:pPr>
-            <a:r>
-              <a:rPr lang="en-US" sz="2000" dirty="0">
-                <a:latin typeface="Amazon Ember" panose="020B0603020204020204" pitchFamily="34" charset="0"/>
-                <a:ea typeface="Amazon Ember" panose="020B0603020204020204" pitchFamily="34" charset="0"/>
-                <a:cs typeface="Amazon Ember" panose="020B0603020204020204" pitchFamily="34" charset="0"/>
-              </a:rPr>
-              <a:t>Complete module (~15 min) then stop </a:t>
-            </a:r>
-          </a:p>
-          <a:p>
-            <a:pPr marL="342900" indent="-342900">
-              <a:buFont typeface="Arial" panose="020B0604020202020204" pitchFamily="34" charset="0"/>
-              <a:buChar char="•"/>
-            </a:pPr>
-            <a:r>
-              <a:rPr lang="en-US" sz="2000" dirty="0">
-                <a:latin typeface="Amazon Ember" panose="020B0603020204020204" pitchFamily="34" charset="0"/>
-                <a:ea typeface="Amazon Ember" panose="020B0603020204020204" pitchFamily="34" charset="0"/>
-                <a:cs typeface="Amazon Ember" panose="020B0603020204020204" pitchFamily="34" charset="0"/>
-              </a:rPr>
-              <a:t>We will later start module 2 and do a presentation</a:t>
-            </a:r>
-          </a:p>
-        </p:txBody>
-      </p:sp>
-      <p:sp>
-        <p:nvSpPr>
-          <p:cNvPr id="5" name="TextBox 4">
-            <a:extLst>
-              <a:ext uri="{FF2B5EF4-FFF2-40B4-BE49-F238E27FC236}">
-                <a16:creationId xmlns:a16="http://schemas.microsoft.com/office/drawing/2014/main" id="{FFD2F3AD-F02A-5443-BCC6-A6074DDF66ED}"/>
-              </a:ext>
-            </a:extLst>
-          </p:cNvPr>
-          <p:cNvSpPr txBox="1"/>
-          <p:nvPr/>
-        </p:nvSpPr>
-        <p:spPr>
-          <a:xfrm>
-            <a:off x="7409467" y="267658"/>
-            <a:ext cx="1282045" cy="646331"/>
-          </a:xfrm>
-          <a:prstGeom prst="rect">
-            <a:avLst/>
-          </a:prstGeom>
-        </p:spPr>
-        <p:style>
-          <a:lnRef idx="1">
-            <a:schemeClr val="accent1"/>
-          </a:lnRef>
-          <a:fillRef idx="2">
-            <a:schemeClr val="accent1"/>
-          </a:fillRef>
-          <a:effectRef idx="1">
-            <a:schemeClr val="accent1"/>
-          </a:effectRef>
-          <a:fontRef idx="minor">
-            <a:schemeClr val="dk1"/>
-          </a:fontRef>
-        </p:style>
-        <p:txBody>
-          <a:bodyPr wrap="square" rtlCol="0">
-            <a:spAutoFit/>
-          </a:bodyPr>
-          <a:lstStyle/>
-          <a:p>
-            <a:pPr algn="ctr"/>
-            <a:r>
-              <a:rPr lang="en-US" dirty="0">
-                <a:latin typeface="Amazon Ember" panose="020B0603020204020204" pitchFamily="34" charset="0"/>
-                <a:ea typeface="Amazon Ember" panose="020B0603020204020204" pitchFamily="34" charset="0"/>
-                <a:cs typeface="Amazon Ember" panose="020B0603020204020204" pitchFamily="34" charset="0"/>
-              </a:rPr>
-              <a:t>use</a:t>
-            </a:r>
-          </a:p>
-          <a:p>
-            <a:pPr algn="ctr"/>
-            <a:r>
-              <a:rPr lang="en-US" dirty="0">
-                <a:latin typeface="Amazon Ember" panose="020B0603020204020204" pitchFamily="34" charset="0"/>
-                <a:ea typeface="Amazon Ember" panose="020B0603020204020204" pitchFamily="34" charset="0"/>
-                <a:cs typeface="Amazon Ember" panose="020B0603020204020204" pitchFamily="34" charset="0"/>
-              </a:rPr>
-              <a:t>us-west-2</a:t>
-            </a:r>
-          </a:p>
-        </p:txBody>
-      </p:sp>
-      <p:pic>
-        <p:nvPicPr>
-          <p:cNvPr id="4" name="Picture 3">
-            <a:extLst>
-              <a:ext uri="{FF2B5EF4-FFF2-40B4-BE49-F238E27FC236}">
-                <a16:creationId xmlns:a16="http://schemas.microsoft.com/office/drawing/2014/main" id="{FD543F0C-E4C9-4545-9072-2D81B0FFF988}"/>
-              </a:ext>
-            </a:extLst>
-          </p:cNvPr>
-          <p:cNvPicPr>
-            <a:picLocks noChangeAspect="1"/>
-          </p:cNvPicPr>
-          <p:nvPr/>
-        </p:nvPicPr>
-        <p:blipFill>
-          <a:blip r:embed="rId4"/>
-          <a:stretch>
-            <a:fillRect/>
-          </a:stretch>
-        </p:blipFill>
-        <p:spPr>
-          <a:xfrm>
-            <a:off x="0" y="0"/>
-            <a:ext cx="9144000" cy="5143500"/>
-          </a:xfrm>
-          <a:prstGeom prst="rect">
-            <a:avLst/>
-          </a:prstGeom>
-        </p:spPr>
-      </p:pic>
-    </p:spTree>
-    <p:extLst>
-      <p:ext uri="{BB962C8B-B14F-4D97-AF65-F5344CB8AC3E}">
-        <p14:creationId xmlns:p14="http://schemas.microsoft.com/office/powerpoint/2010/main" val="1519114575"/>
-      </p:ext>
-    </p:extLst>
-  </p:cSld>
-  <p:clrMapOvr>
-    <a:masterClrMapping/>
-  </p:clrMapOvr>
-</p:sld>
-</file>
-
-<file path=ppt/slides/slide7.xml><?xml version="1.0" encoding="utf-8"?>
-<p:sld xmlns:a="http://schemas.openxmlformats.org/drawingml/2006/main" xmlns:r="http://schemas.openxmlformats.org/officeDocument/2006/relationships" xmlns:p="http://schemas.openxmlformats.org/presentationml/2006/main">
-  <p:cSld>
-    <p:spTree>
-      <p:nvGrpSpPr>
-        <p:cNvPr id="1" name=""/>
-        <p:cNvGrpSpPr/>
-        <p:nvPr/>
-      </p:nvGrpSpPr>
-      <p:grpSpPr>
-        <a:xfrm>
-          <a:off x="0" y="0"/>
-          <a:ext cx="0" cy="0"/>
-          <a:chOff x="0" y="0"/>
-          <a:chExt cx="0" cy="0"/>
-        </a:xfrm>
-      </p:grpSpPr>
-      <p:sp>
-        <p:nvSpPr>
-          <p:cNvPr id="2" name="Title 1"/>
-          <p:cNvSpPr>
-            <a:spLocks noGrp="1"/>
-          </p:cNvSpPr>
-          <p:nvPr>
-            <p:ph type="title"/>
-          </p:nvPr>
-        </p:nvSpPr>
-        <p:spPr/>
-        <p:txBody>
-          <a:bodyPr/>
-          <a:lstStyle/>
-          <a:p>
-            <a:r>
-              <a:rPr lang="en-US" dirty="0"/>
-              <a:t>Start module 1</a:t>
+              <a:t>Start module 1 – Important!</a:t>
             </a:r>
           </a:p>
         </p:txBody>
@@ -7052,8 +6630,8 @@
         </p:blipFill>
         <p:spPr>
           <a:xfrm>
-            <a:off x="751139" y="1212342"/>
-            <a:ext cx="7657892" cy="3405015"/>
+            <a:off x="1114684" y="1214985"/>
+            <a:ext cx="6649513" cy="3513769"/>
           </a:xfrm>
           <a:prstGeom prst="rect">
             <a:avLst/>
@@ -7138,280 +6716,6 @@
           </a:p>
         </p:txBody>
       </p:sp>
-    </p:spTree>
-    <p:extLst>
-      <p:ext uri="{BB962C8B-B14F-4D97-AF65-F5344CB8AC3E}">
-        <p14:creationId xmlns:p14="http://schemas.microsoft.com/office/powerpoint/2010/main" val="3703084239"/>
-      </p:ext>
-    </p:extLst>
-  </p:cSld>
-  <p:clrMapOvr>
-    <a:masterClrMapping/>
-  </p:clrMapOvr>
-</p:sld>
-</file>
-
-<file path=ppt/slides/slide8.xml><?xml version="1.0" encoding="utf-8"?>
-<p:sld xmlns:a="http://schemas.openxmlformats.org/drawingml/2006/main" xmlns:r="http://schemas.openxmlformats.org/officeDocument/2006/relationships" xmlns:p="http://schemas.openxmlformats.org/presentationml/2006/main">
-  <p:cSld>
-    <p:spTree>
-      <p:nvGrpSpPr>
-        <p:cNvPr id="1" name=""/>
-        <p:cNvGrpSpPr/>
-        <p:nvPr/>
-      </p:nvGrpSpPr>
-      <p:grpSpPr>
-        <a:xfrm>
-          <a:off x="0" y="0"/>
-          <a:ext cx="0" cy="0"/>
-          <a:chOff x="0" y="0"/>
-          <a:chExt cx="0" cy="0"/>
-        </a:xfrm>
-      </p:grpSpPr>
-      <p:sp>
-        <p:nvSpPr>
-          <p:cNvPr id="2" name="Title 1"/>
-          <p:cNvSpPr>
-            <a:spLocks noGrp="1"/>
-          </p:cNvSpPr>
-          <p:nvPr>
-            <p:ph type="title"/>
-          </p:nvPr>
-        </p:nvSpPr>
-        <p:spPr/>
-        <p:txBody>
-          <a:bodyPr/>
-          <a:lstStyle/>
-          <a:p>
-            <a:r>
-              <a:rPr lang="en-US" dirty="0"/>
-              <a:t>Start module 1 – Important!</a:t>
-            </a:r>
-          </a:p>
-        </p:txBody>
-      </p:sp>
-      <p:sp>
-        <p:nvSpPr>
-          <p:cNvPr id="3" name="Rectangle 2">
-            <a:extLst>
-              <a:ext uri="{FF2B5EF4-FFF2-40B4-BE49-F238E27FC236}">
-                <a16:creationId xmlns:a16="http://schemas.microsoft.com/office/drawing/2014/main" id="{2CA723A6-34B2-C34A-8F53-131660EDCD8A}"/>
-              </a:ext>
-            </a:extLst>
-          </p:cNvPr>
-          <p:cNvSpPr/>
-          <p:nvPr/>
-        </p:nvSpPr>
-        <p:spPr>
-          <a:xfrm>
-            <a:off x="336789" y="507099"/>
-            <a:ext cx="8041731" cy="707886"/>
-          </a:xfrm>
-          <a:prstGeom prst="rect">
-            <a:avLst/>
-          </a:prstGeom>
-        </p:spPr>
-        <p:txBody>
-          <a:bodyPr wrap="square">
-            <a:spAutoFit/>
-          </a:bodyPr>
-          <a:lstStyle/>
-          <a:p>
-            <a:r>
-              <a:rPr lang="en-US" sz="2800" b="1" dirty="0">
-                <a:hlinkClick r:id="rId3"/>
-              </a:rPr>
-              <a:t>https://tinyurl.com/y84cc3pj</a:t>
-            </a:r>
-            <a:r>
-              <a:rPr lang="en-US" sz="2800" b="1" dirty="0"/>
-              <a:t> </a:t>
-            </a:r>
-          </a:p>
-          <a:p>
-            <a:r>
-              <a:rPr lang="en-US" sz="1200" b="1" dirty="0"/>
-              <a:t>(</a:t>
-            </a:r>
-            <a:r>
-              <a:rPr lang="en-US" sz="1200" dirty="0">
-                <a:latin typeface="Amazon Ember" panose="020B0603020204020204" pitchFamily="34" charset="0"/>
-                <a:ea typeface="Amazon Ember" panose="020B0603020204020204" pitchFamily="34" charset="0"/>
-                <a:cs typeface="Amazon Ember" panose="020B0603020204020204" pitchFamily="34" charset="0"/>
-              </a:rPr>
-              <a:t>https://github.com/aws-samples/aws-security-workshops/tree/master/threat-detection-</a:t>
-            </a:r>
-            <a:r>
-              <a:rPr lang="en-US" sz="1200" dirty="0" err="1">
-                <a:latin typeface="Amazon Ember" panose="020B0603020204020204" pitchFamily="34" charset="0"/>
-                <a:ea typeface="Amazon Ember" panose="020B0603020204020204" pitchFamily="34" charset="0"/>
-                <a:cs typeface="Amazon Ember" panose="020B0603020204020204" pitchFamily="34" charset="0"/>
-              </a:rPr>
-              <a:t>wksp</a:t>
-            </a:r>
-            <a:r>
-              <a:rPr lang="en-US" sz="1200" dirty="0">
-                <a:latin typeface="Amazon Ember" panose="020B0603020204020204" pitchFamily="34" charset="0"/>
-                <a:ea typeface="Amazon Ember" panose="020B0603020204020204" pitchFamily="34" charset="0"/>
-                <a:cs typeface="Amazon Ember" panose="020B0603020204020204" pitchFamily="34" charset="0"/>
-              </a:rPr>
-              <a:t>)</a:t>
-            </a:r>
-          </a:p>
-        </p:txBody>
-      </p:sp>
-      <p:pic>
-        <p:nvPicPr>
-          <p:cNvPr id="5" name="Picture 4">
-            <a:extLst>
-              <a:ext uri="{FF2B5EF4-FFF2-40B4-BE49-F238E27FC236}">
-                <a16:creationId xmlns:a16="http://schemas.microsoft.com/office/drawing/2014/main" id="{665BBB37-5CCF-AC4F-861E-9657E108B4F4}"/>
-              </a:ext>
-            </a:extLst>
-          </p:cNvPr>
-          <p:cNvPicPr>
-            <a:picLocks noChangeAspect="1"/>
-          </p:cNvPicPr>
-          <p:nvPr/>
-        </p:nvPicPr>
-        <p:blipFill>
-          <a:blip r:embed="rId4"/>
-          <a:stretch>
-            <a:fillRect/>
-          </a:stretch>
-        </p:blipFill>
-        <p:spPr>
-          <a:xfrm>
-            <a:off x="1444240" y="1214985"/>
-            <a:ext cx="6272582" cy="2789049"/>
-          </a:xfrm>
-          <a:prstGeom prst="rect">
-            <a:avLst/>
-          </a:prstGeom>
-          <a:ln w="38100" cap="sq">
-            <a:solidFill>
-              <a:srgbClr val="000000"/>
-            </a:solidFill>
-            <a:prstDash val="solid"/>
-            <a:miter lim="800000"/>
-          </a:ln>
-          <a:effectLst>
-            <a:outerShdw blurRad="50800" dist="38100" dir="2700000" algn="tl" rotWithShape="0">
-              <a:srgbClr val="000000">
-                <a:alpha val="43000"/>
-              </a:srgbClr>
-            </a:outerShdw>
-          </a:effectLst>
-        </p:spPr>
-      </p:pic>
-      <p:sp>
-        <p:nvSpPr>
-          <p:cNvPr id="6" name="TextBox 5">
-            <a:extLst>
-              <a:ext uri="{FF2B5EF4-FFF2-40B4-BE49-F238E27FC236}">
-                <a16:creationId xmlns:a16="http://schemas.microsoft.com/office/drawing/2014/main" id="{7216904D-B32C-3C4E-BE3B-00200FAB1CCD}"/>
-              </a:ext>
-            </a:extLst>
-          </p:cNvPr>
-          <p:cNvSpPr txBox="1"/>
-          <p:nvPr/>
-        </p:nvSpPr>
-        <p:spPr>
-          <a:xfrm>
-            <a:off x="7409467" y="267658"/>
-            <a:ext cx="1282045" cy="646331"/>
-          </a:xfrm>
-          <a:prstGeom prst="rect">
-            <a:avLst/>
-          </a:prstGeom>
-        </p:spPr>
-        <p:style>
-          <a:lnRef idx="1">
-            <a:schemeClr val="accent1"/>
-          </a:lnRef>
-          <a:fillRef idx="2">
-            <a:schemeClr val="accent1"/>
-          </a:fillRef>
-          <a:effectRef idx="1">
-            <a:schemeClr val="accent1"/>
-          </a:effectRef>
-          <a:fontRef idx="minor">
-            <a:schemeClr val="dk1"/>
-          </a:fontRef>
-        </p:style>
-        <p:txBody>
-          <a:bodyPr wrap="square" rtlCol="0">
-            <a:spAutoFit/>
-          </a:bodyPr>
-          <a:lstStyle/>
-          <a:p>
-            <a:pPr algn="ctr"/>
-            <a:r>
-              <a:rPr lang="en-US" dirty="0">
-                <a:latin typeface="Amazon Ember" panose="020B0603020204020204" pitchFamily="34" charset="0"/>
-                <a:ea typeface="Amazon Ember" panose="020B0603020204020204" pitchFamily="34" charset="0"/>
-                <a:cs typeface="Amazon Ember" panose="020B0603020204020204" pitchFamily="34" charset="0"/>
-              </a:rPr>
-              <a:t>use</a:t>
-            </a:r>
-          </a:p>
-          <a:p>
-            <a:pPr algn="ctr"/>
-            <a:r>
-              <a:rPr lang="en-US" dirty="0">
-                <a:latin typeface="Amazon Ember" panose="020B0603020204020204" pitchFamily="34" charset="0"/>
-                <a:ea typeface="Amazon Ember" panose="020B0603020204020204" pitchFamily="34" charset="0"/>
-                <a:cs typeface="Amazon Ember" panose="020B0603020204020204" pitchFamily="34" charset="0"/>
-              </a:rPr>
-              <a:t>us-west-2</a:t>
-            </a:r>
-          </a:p>
-        </p:txBody>
-      </p:sp>
-      <p:pic>
-        <p:nvPicPr>
-          <p:cNvPr id="7" name="Picture 6">
-            <a:extLst>
-              <a:ext uri="{FF2B5EF4-FFF2-40B4-BE49-F238E27FC236}">
-                <a16:creationId xmlns:a16="http://schemas.microsoft.com/office/drawing/2014/main" id="{12792C33-96F2-0F4F-8F3A-D039F0DB874F}"/>
-              </a:ext>
-            </a:extLst>
-          </p:cNvPr>
-          <p:cNvPicPr>
-            <a:picLocks noChangeAspect="1"/>
-          </p:cNvPicPr>
-          <p:nvPr/>
-        </p:nvPicPr>
-        <p:blipFill>
-          <a:blip r:embed="rId5"/>
-          <a:stretch>
-            <a:fillRect/>
-          </a:stretch>
-        </p:blipFill>
-        <p:spPr>
-          <a:xfrm>
-            <a:off x="94004" y="4161365"/>
-            <a:ext cx="8964523" cy="937355"/>
-          </a:xfrm>
-          <a:prstGeom prst="rect">
-            <a:avLst/>
-          </a:prstGeom>
-          <a:ln w="38100" cap="sq">
-            <a:solidFill>
-              <a:srgbClr val="000000"/>
-            </a:solidFill>
-            <a:prstDash val="solid"/>
-            <a:miter lim="800000"/>
-          </a:ln>
-          <a:effectLst>
-            <a:outerShdw blurRad="50800" dist="38100" dir="2700000" algn="tl" rotWithShape="0">
-              <a:srgbClr val="000000">
-                <a:alpha val="43000"/>
-              </a:srgbClr>
-            </a:outerShdw>
-          </a:effectLst>
-        </p:spPr>
-      </p:pic>
     </p:spTree>
     <p:extLst>
       <p:ext uri="{BB962C8B-B14F-4D97-AF65-F5344CB8AC3E}">
@@ -8083,21 +7387,6 @@
 </file>
 
 <file path=customXml/item1.xml><?xml version="1.0" encoding="utf-8"?>
-<p:properties xmlns:p="http://schemas.microsoft.com/office/2006/metadata/properties" xmlns:xsi="http://www.w3.org/2001/XMLSchema-instance">
-  <documentManagement/>
-</p:properties>
-</file>
-
-<file path=customXml/item2.xml><?xml version="1.0" encoding="utf-8"?>
-<?mso-contentType ?>
-<FormTemplates xmlns="http://schemas.microsoft.com/sharepoint/v3/contenttype/forms">
-  <Display>DocumentLibraryForm</Display>
-  <Edit>DocumentLibraryForm</Edit>
-  <New>DocumentLibraryForm</New>
-</FormTemplates>
-</file>
-
-<file path=customXml/item3.xml><?xml version="1.0" encoding="utf-8"?>
 <ct:contentTypeSchema xmlns:ct="http://schemas.microsoft.com/office/2006/metadata/contentType" xmlns:ma="http://schemas.microsoft.com/office/2006/metadata/properties/metaAttributes" ct:_="" ma:_="" ma:contentTypeName="Document" ma:contentTypeID="0x010100D26A3D6C04DFD740953BA1B2B9E62D60" ma:contentTypeVersion="0" ma:contentTypeDescription="Create a new document." ma:contentTypeScope="" ma:versionID="26617cd14cd3af163c0e97ff614e520a">
   <xsd:schema xmlns:xsd="http://www.w3.org/2001/XMLSchema" xmlns:xs="http://www.w3.org/2001/XMLSchema" xmlns:p="http://schemas.microsoft.com/office/2006/metadata/properties" targetNamespace="http://schemas.microsoft.com/office/2006/metadata/properties" ma:root="true" ma:fieldsID="c64490b4aec6201516c3a874156f37b2">
     <xsd:element name="properties">
@@ -8211,17 +7500,33 @@
 </ct:contentTypeSchema>
 </file>
 
+<file path=customXml/item2.xml><?xml version="1.0" encoding="utf-8"?>
+<?mso-contentType ?>
+<FormTemplates xmlns="http://schemas.microsoft.com/sharepoint/v3/contenttype/forms">
+  <Display>DocumentLibraryForm</Display>
+  <Edit>DocumentLibraryForm</Edit>
+  <New>DocumentLibraryForm</New>
+</FormTemplates>
+</file>
+
+<file path=customXml/item3.xml><?xml version="1.0" encoding="utf-8"?>
+<p:properties xmlns:p="http://schemas.microsoft.com/office/2006/metadata/properties" xmlns:xsi="http://www.w3.org/2001/XMLSchema-instance">
+  <documentManagement/>
+</p:properties>
+</file>
+
 <file path=customXml/itemProps1.xml><?xml version="1.0" encoding="utf-8"?>
-<ds:datastoreItem xmlns:ds="http://schemas.openxmlformats.org/officeDocument/2006/customXml" ds:itemID="{C597C89A-FD0C-431E-81F6-90225B937683}">
+<ds:datastoreItem xmlns:ds="http://schemas.openxmlformats.org/officeDocument/2006/customXml" ds:itemID="{51A3258A-222C-4488-825E-7520D001FB75}">
   <ds:schemaRefs>
-    <ds:schemaRef ds:uri="http://schemas.microsoft.com/office/2006/documentManagement/types"/>
+    <ds:schemaRef ds:uri="http://schemas.microsoft.com/office/2006/metadata/contentType"/>
+    <ds:schemaRef ds:uri="http://schemas.microsoft.com/office/2006/metadata/properties/metaAttributes"/>
+    <ds:schemaRef ds:uri="http://www.w3.org/2001/XMLSchema"/>
     <ds:schemaRef ds:uri="http://schemas.microsoft.com/office/2006/metadata/properties"/>
+    <ds:schemaRef ds:uri="http://schemas.openxmlformats.org/package/2006/metadata/core-properties"/>
+    <ds:schemaRef ds:uri="http://purl.org/dc/elements/1.1/"/>
     <ds:schemaRef ds:uri="http://purl.org/dc/terms/"/>
-    <ds:schemaRef ds:uri="http://schemas.openxmlformats.org/package/2006/metadata/core-properties"/>
-    <ds:schemaRef ds:uri="http://purl.org/dc/dcmitype/"/>
+    <ds:schemaRef ds:uri="http://schemas.microsoft.com/internal/obd"/>
     <ds:schemaRef ds:uri="http://schemas.microsoft.com/office/infopath/2007/PartnerControls"/>
-    <ds:schemaRef ds:uri="http://www.w3.org/XML/1998/namespace"/>
-    <ds:schemaRef ds:uri="http://purl.org/dc/elements/1.1/"/>
   </ds:schemaRefs>
 </ds:datastoreItem>
 </file>
@@ -8235,17 +7540,16 @@
 </file>
 
 <file path=customXml/itemProps3.xml><?xml version="1.0" encoding="utf-8"?>
-<ds:datastoreItem xmlns:ds="http://schemas.openxmlformats.org/officeDocument/2006/customXml" ds:itemID="{51A3258A-222C-4488-825E-7520D001FB75}">
+<ds:datastoreItem xmlns:ds="http://schemas.openxmlformats.org/officeDocument/2006/customXml" ds:itemID="{C597C89A-FD0C-431E-81F6-90225B937683}">
   <ds:schemaRefs>
-    <ds:schemaRef ds:uri="http://schemas.microsoft.com/office/2006/metadata/contentType"/>
-    <ds:schemaRef ds:uri="http://schemas.microsoft.com/office/2006/metadata/properties/metaAttributes"/>
-    <ds:schemaRef ds:uri="http://www.w3.org/2001/XMLSchema"/>
+    <ds:schemaRef ds:uri="http://schemas.microsoft.com/office/2006/documentManagement/types"/>
     <ds:schemaRef ds:uri="http://schemas.microsoft.com/office/2006/metadata/properties"/>
+    <ds:schemaRef ds:uri="http://purl.org/dc/terms/"/>
     <ds:schemaRef ds:uri="http://schemas.openxmlformats.org/package/2006/metadata/core-properties"/>
+    <ds:schemaRef ds:uri="http://purl.org/dc/dcmitype/"/>
+    <ds:schemaRef ds:uri="http://schemas.microsoft.com/office/infopath/2007/PartnerControls"/>
+    <ds:schemaRef ds:uri="http://www.w3.org/XML/1998/namespace"/>
     <ds:schemaRef ds:uri="http://purl.org/dc/elements/1.1/"/>
-    <ds:schemaRef ds:uri="http://purl.org/dc/terms/"/>
-    <ds:schemaRef ds:uri="http://schemas.microsoft.com/internal/obd"/>
-    <ds:schemaRef ds:uri="http://schemas.microsoft.com/office/infopath/2007/PartnerControls"/>
   </ds:schemaRefs>
 </ds:datastoreItem>
 </file>
--- a/threat-detection-wksp/presentations/threat-detection-wksp-module1-presentation.pptx
+++ b/threat-detection-wksp/presentations/threat-detection-wksp-module1-presentation.pptx
@@ -367,7 +367,7 @@
             <a:fld id="{0B25AC41-3BEC-9247-8322-91B80C013F2D}" type="datetimeFigureOut">
               <a:rPr lang="en-US" smtClean="0"/>
               <a:pPr/>
-              <a:t>7/10/18</a:t>
+              <a:t>9/4/18</a:t>
             </a:fld>
             <a:endParaRPr lang="en-US" dirty="0"/>
           </a:p>
@@ -946,6 +946,33 @@
             </a:r>
           </a:p>
           <a:p>
+            <a:endParaRPr lang="en-US" dirty="0"/>
+          </a:p>
+          <a:p>
+            <a:r>
+              <a:rPr lang="en-US" sz="1200" dirty="0">
+                <a:latin typeface="Amazon Ember" panose="020B0603020204020204" pitchFamily="34" charset="0"/>
+                <a:ea typeface="Amazon Ember" panose="020B0603020204020204" pitchFamily="34" charset="0"/>
+                <a:cs typeface="Amazon Ember" panose="020B0603020204020204" pitchFamily="34" charset="0"/>
+              </a:rPr>
+              <a:t>https://</a:t>
+            </a:r>
+            <a:r>
+              <a:rPr lang="en-US" sz="1200" dirty="0" err="1">
+                <a:latin typeface="Amazon Ember" panose="020B0603020204020204" pitchFamily="34" charset="0"/>
+                <a:ea typeface="Amazon Ember" panose="020B0603020204020204" pitchFamily="34" charset="0"/>
+                <a:cs typeface="Amazon Ember" panose="020B0603020204020204" pitchFamily="34" charset="0"/>
+              </a:rPr>
+              <a:t>www.verizonenterprise.com</a:t>
+            </a:r>
+            <a:r>
+              <a:rPr lang="en-US" sz="1200" dirty="0">
+                <a:latin typeface="Amazon Ember" panose="020B0603020204020204" pitchFamily="34" charset="0"/>
+                <a:ea typeface="Amazon Ember" panose="020B0603020204020204" pitchFamily="34" charset="0"/>
+                <a:cs typeface="Amazon Ember" panose="020B0603020204020204" pitchFamily="34" charset="0"/>
+              </a:rPr>
+              <a:t>/resources/reports/rp_DBIR_2018_Report_en_xg.pdf</a:t>
+            </a:r>
             <a:endParaRPr lang="en-US" dirty="0"/>
           </a:p>
         </p:txBody>
@@ -5951,7 +5978,7 @@
         </p:blipFill>
         <p:spPr>
           <a:xfrm>
-            <a:off x="-42702" y="1083387"/>
+            <a:off x="0" y="965981"/>
             <a:ext cx="9297678" cy="3338711"/>
           </a:xfrm>
           <a:prstGeom prst="rect">
@@ -5973,8 +6000,8 @@
         </p:nvSpPr>
         <p:spPr>
           <a:xfrm>
-            <a:off x="85238" y="4376081"/>
-            <a:ext cx="7928774" cy="323165"/>
+            <a:off x="1313424" y="4342663"/>
+            <a:ext cx="6252033" cy="307777"/>
           </a:xfrm>
           <a:prstGeom prst="rect">
             <a:avLst/>
@@ -5987,28 +6014,28 @@
           <a:lstStyle/>
           <a:p>
             <a:r>
-              <a:rPr lang="en-US" sz="1500" dirty="0">
+              <a:rPr lang="en-US" sz="1400" dirty="0">
                 <a:latin typeface="Amazon Ember" panose="020B0603020204020204" pitchFamily="34" charset="0"/>
                 <a:ea typeface="Amazon Ember" panose="020B0603020204020204" pitchFamily="34" charset="0"/>
                 <a:cs typeface="Amazon Ember" panose="020B0603020204020204" pitchFamily="34" charset="0"/>
               </a:rPr>
-              <a:t>https://</a:t>
-            </a:r>
-            <a:r>
-              <a:rPr lang="en-US" sz="1500" dirty="0" err="1">
+              <a:t>Source: 2018 Data Breach Investigation Report, Verizon, 11</a:t>
+            </a:r>
+            <a:r>
+              <a:rPr lang="en-US" sz="1400" baseline="30000" dirty="0">
                 <a:latin typeface="Amazon Ember" panose="020B0603020204020204" pitchFamily="34" charset="0"/>
                 <a:ea typeface="Amazon Ember" panose="020B0603020204020204" pitchFamily="34" charset="0"/>
                 <a:cs typeface="Amazon Ember" panose="020B0603020204020204" pitchFamily="34" charset="0"/>
               </a:rPr>
-              <a:t>www.verizonenterprise.com</a:t>
-            </a:r>
-            <a:r>
-              <a:rPr lang="en-US" sz="1500" dirty="0">
+              <a:t>th</a:t>
+            </a:r>
+            <a:r>
+              <a:rPr lang="en-US" sz="1400" dirty="0">
                 <a:latin typeface="Amazon Ember" panose="020B0603020204020204" pitchFamily="34" charset="0"/>
                 <a:ea typeface="Amazon Ember" panose="020B0603020204020204" pitchFamily="34" charset="0"/>
                 <a:cs typeface="Amazon Ember" panose="020B0603020204020204" pitchFamily="34" charset="0"/>
               </a:rPr>
-              <a:t>/resources/reports/rp_DBIR_2018_Report_en_xg.pdf</a:t>
+              <a:t> edition 2018 </a:t>
             </a:r>
           </a:p>
         </p:txBody>
@@ -6214,7 +6241,7 @@
         <p:spPr>
           <a:xfrm>
             <a:off x="762903" y="1152173"/>
-            <a:ext cx="8041731" cy="2923877"/>
+            <a:ext cx="8041731" cy="2985433"/>
           </a:xfrm>
           <a:prstGeom prst="rect">
             <a:avLst/>
@@ -6227,14 +6254,8 @@
           <a:lstStyle/>
           <a:p>
             <a:r>
-              <a:rPr lang="en-US" sz="2800" b="1" dirty="0">
-                <a:hlinkClick r:id="rId3"/>
-              </a:rPr>
-              <a:t>https://tinyurl.com/y84cc3pj</a:t>
-            </a:r>
-            <a:r>
-              <a:rPr lang="en-US" sz="2800" b="1" dirty="0"/>
-              <a:t> </a:t>
+              <a:rPr lang="en-US" sz="3200" b="1" dirty="0"/>
+              <a:t>https://tinyurl.com/y84cc3pj </a:t>
             </a:r>
           </a:p>
           <a:p>
@@ -6303,14 +6324,8 @@
               <a:t>Browse to </a:t>
             </a:r>
             <a:r>
-              <a:rPr lang="en-US" sz="2000" b="1" dirty="0">
-                <a:hlinkClick r:id="rId3"/>
-              </a:rPr>
-              <a:t>https://tinyurl.com/y84cc3pj</a:t>
-            </a:r>
-            <a:r>
               <a:rPr lang="en-US" sz="2000" b="1" dirty="0"/>
-              <a:t> </a:t>
+              <a:t>https://tinyurl.com/y84cc3pj </a:t>
             </a:r>
             <a:endParaRPr lang="en-US" sz="2000" dirty="0">
               <a:latin typeface="Amazon Ember" panose="020B0603020204020204" pitchFamily="34" charset="0"/>
@@ -6456,36 +6471,6 @@
           </a:p>
         </p:txBody>
       </p:sp>
-      <p:pic>
-        <p:nvPicPr>
-          <p:cNvPr id="4" name="Picture 3">
-            <a:extLst>
-              <a:ext uri="{FF2B5EF4-FFF2-40B4-BE49-F238E27FC236}">
-                <a16:creationId xmlns:a16="http://schemas.microsoft.com/office/drawing/2014/main" id="{FD543F0C-E4C9-4545-9072-2D81B0FFF988}"/>
-              </a:ext>
-            </a:extLst>
-          </p:cNvPr>
-          <p:cNvPicPr>
-            <a:picLocks noChangeAspect="1"/>
-          </p:cNvPicPr>
-          <p:nvPr/>
-        </p:nvPicPr>
-        <p:blipFill>
-          <a:blip r:embed="rId4"/>
-          <a:stretch>
-            <a:fillRect/>
-          </a:stretch>
-        </p:blipFill>
-        <p:spPr>
-          <a:xfrm>
-            <a:off x="0" y="0"/>
-            <a:ext cx="9144000" cy="5143500"/>
-          </a:xfrm>
-          <a:prstGeom prst="rect">
-            <a:avLst/>
-          </a:prstGeom>
-        </p:spPr>
-      </p:pic>
     </p:spTree>
     <p:extLst>
       <p:ext uri="{BB962C8B-B14F-4D97-AF65-F5344CB8AC3E}">
@@ -6553,7 +6538,7 @@
         <p:spPr>
           <a:xfrm>
             <a:off x="336789" y="507099"/>
-            <a:ext cx="8041731" cy="707886"/>
+            <a:ext cx="8041731" cy="769441"/>
           </a:xfrm>
           <a:prstGeom prst="rect">
             <a:avLst/>
@@ -6566,14 +6551,8 @@
           <a:lstStyle/>
           <a:p>
             <a:r>
-              <a:rPr lang="en-US" sz="2800" b="1" dirty="0">
-                <a:hlinkClick r:id="rId3"/>
-              </a:rPr>
-              <a:t>https://tinyurl.com/y84cc3pj</a:t>
-            </a:r>
-            <a:r>
-              <a:rPr lang="en-US" sz="2800" b="1" dirty="0"/>
-              <a:t> </a:t>
+              <a:rPr lang="en-US" sz="3200" b="1" dirty="0"/>
+              <a:t>https://tinyurl.com/y84cc3pj </a:t>
             </a:r>
           </a:p>
           <a:p>
@@ -6623,15 +6602,15 @@
           <p:nvPr/>
         </p:nvPicPr>
         <p:blipFill>
-          <a:blip r:embed="rId4"/>
+          <a:blip r:embed="rId3"/>
           <a:stretch>
             <a:fillRect/>
           </a:stretch>
         </p:blipFill>
         <p:spPr>
           <a:xfrm>
-            <a:off x="1114684" y="1214985"/>
-            <a:ext cx="6649513" cy="3513769"/>
+            <a:off x="1401041" y="1454426"/>
+            <a:ext cx="6076799" cy="3211133"/>
           </a:xfrm>
           <a:prstGeom prst="rect">
             <a:avLst/>
